--- a/Documentos/Reproductor de Musica.pptx
+++ b/Documentos/Reproductor de Musica.pptx
@@ -23,6 +23,11 @@
     <p:sldId id="268" r:id="rId17"/>
     <p:sldId id="269" r:id="rId18"/>
     <p:sldId id="270" r:id="rId19"/>
+    <p:sldId id="271" r:id="rId20"/>
+    <p:sldId id="272" r:id="rId21"/>
+    <p:sldId id="273" r:id="rId22"/>
+    <p:sldId id="274" r:id="rId23"/>
+    <p:sldId id="275" r:id="rId24"/>
   </p:sldIdLst>
   <p:sldSz cy="5143500" cx="9144000"/>
   <p:notesSz cx="6858000" cy="9144000"/>
@@ -480,7 +485,7 @@
   <p:cSld>
     <p:spTree>
       <p:nvGrpSpPr>
-        <p:cNvPr id="142" name="Shape 142"/>
+        <p:cNvPr id="121" name="Shape 121"/>
         <p:cNvGrpSpPr/>
         <p:nvPr/>
       </p:nvGrpSpPr>
@@ -494,7 +499,7 @@
       </p:grpSpPr>
       <p:sp>
         <p:nvSpPr>
-          <p:cNvPr id="143" name="Shape 143"/>
+          <p:cNvPr id="122" name="Shape 122"/>
           <p:cNvSpPr/>
           <p:nvPr>
             <p:ph idx="2" type="sldImg"/>
@@ -528,7 +533,7 @@
       </p:sp>
       <p:sp>
         <p:nvSpPr>
-          <p:cNvPr id="144" name="Shape 144"/>
+          <p:cNvPr id="123" name="Shape 123"/>
           <p:cNvSpPr txBox="1"/>
           <p:nvPr>
             <p:ph idx="1" type="body"/>
@@ -575,7 +580,7 @@
   <p:cSld>
     <p:spTree>
       <p:nvGrpSpPr>
-        <p:cNvPr id="147" name="Shape 147"/>
+        <p:cNvPr id="127" name="Shape 127"/>
         <p:cNvGrpSpPr/>
         <p:nvPr/>
       </p:nvGrpSpPr>
@@ -589,7 +594,7 @@
       </p:grpSpPr>
       <p:sp>
         <p:nvSpPr>
-          <p:cNvPr id="148" name="Shape 148"/>
+          <p:cNvPr id="128" name="Shape 128"/>
           <p:cNvSpPr/>
           <p:nvPr>
             <p:ph idx="2" type="sldImg"/>
@@ -623,7 +628,7 @@
       </p:sp>
       <p:sp>
         <p:nvSpPr>
-          <p:cNvPr id="149" name="Shape 149"/>
+          <p:cNvPr id="129" name="Shape 129"/>
           <p:cNvSpPr txBox="1"/>
           <p:nvPr>
             <p:ph idx="1" type="body"/>
@@ -644,7 +649,7 @@
           </a:bodyPr>
           <a:lstStyle/>
           <a:p>
-            <a:pPr lvl="0" rtl="0">
+            <a:pPr lvl="0">
               <a:spcBef>
                 <a:spcPts val="0"/>
               </a:spcBef>
@@ -670,7 +675,7 @@
   <p:cSld>
     <p:spTree>
       <p:nvGrpSpPr>
-        <p:cNvPr id="153" name="Shape 153"/>
+        <p:cNvPr id="133" name="Shape 133"/>
         <p:cNvGrpSpPr/>
         <p:nvPr/>
       </p:nvGrpSpPr>
@@ -684,7 +689,7 @@
       </p:grpSpPr>
       <p:sp>
         <p:nvSpPr>
-          <p:cNvPr id="154" name="Shape 154"/>
+          <p:cNvPr id="134" name="Shape 134"/>
           <p:cNvSpPr/>
           <p:nvPr>
             <p:ph idx="2" type="sldImg"/>
@@ -718,7 +723,7 @@
       </p:sp>
       <p:sp>
         <p:nvSpPr>
-          <p:cNvPr id="155" name="Shape 155"/>
+          <p:cNvPr id="135" name="Shape 135"/>
           <p:cNvSpPr txBox="1"/>
           <p:nvPr>
             <p:ph idx="1" type="body"/>
@@ -739,7 +744,7 @@
           </a:bodyPr>
           <a:lstStyle/>
           <a:p>
-            <a:pPr lvl="0" rtl="0">
+            <a:pPr lvl="0">
               <a:spcBef>
                 <a:spcPts val="0"/>
               </a:spcBef>
@@ -765,7 +770,7 @@
   <p:cSld>
     <p:spTree>
       <p:nvGrpSpPr>
-        <p:cNvPr id="161" name="Shape 161"/>
+        <p:cNvPr id="154" name="Shape 154"/>
         <p:cNvGrpSpPr/>
         <p:nvPr/>
       </p:nvGrpSpPr>
@@ -779,7 +784,7 @@
       </p:grpSpPr>
       <p:sp>
         <p:nvSpPr>
-          <p:cNvPr id="162" name="Shape 162"/>
+          <p:cNvPr id="155" name="Shape 155"/>
           <p:cNvSpPr/>
           <p:nvPr>
             <p:ph idx="2" type="sldImg"/>
@@ -813,7 +818,7 @@
       </p:sp>
       <p:sp>
         <p:nvSpPr>
-          <p:cNvPr id="163" name="Shape 163"/>
+          <p:cNvPr id="156" name="Shape 156"/>
           <p:cNvSpPr txBox="1"/>
           <p:nvPr>
             <p:ph idx="1" type="body"/>
@@ -860,7 +865,7 @@
   <p:cSld>
     <p:spTree>
       <p:nvGrpSpPr>
-        <p:cNvPr id="169" name="Shape 169"/>
+        <p:cNvPr id="160" name="Shape 160"/>
         <p:cNvGrpSpPr/>
         <p:nvPr/>
       </p:nvGrpSpPr>
@@ -874,7 +879,7 @@
       </p:grpSpPr>
       <p:sp>
         <p:nvSpPr>
-          <p:cNvPr id="170" name="Shape 170"/>
+          <p:cNvPr id="161" name="Shape 161"/>
           <p:cNvSpPr/>
           <p:nvPr>
             <p:ph idx="2" type="sldImg"/>
@@ -908,7 +913,7 @@
       </p:sp>
       <p:sp>
         <p:nvSpPr>
-          <p:cNvPr id="171" name="Shape 171"/>
+          <p:cNvPr id="162" name="Shape 162"/>
           <p:cNvSpPr txBox="1"/>
           <p:nvPr>
             <p:ph idx="1" type="body"/>
@@ -929,7 +934,7 @@
           </a:bodyPr>
           <a:lstStyle/>
           <a:p>
-            <a:pPr lvl="0" rtl="0">
+            <a:pPr lvl="0">
               <a:spcBef>
                 <a:spcPts val="0"/>
               </a:spcBef>
@@ -1024,7 +1029,387 @@
           </a:bodyPr>
           <a:lstStyle/>
           <a:p>
-            <a:pPr lvl="0">
+            <a:pPr lvl="0" rtl="0">
+              <a:spcBef>
+                <a:spcPts val="0"/>
+              </a:spcBef>
+              <a:buNone/>
+            </a:pPr>
+            <a:r>
+              <a:t/>
+            </a:r>
+            <a:endParaRPr/>
+          </a:p>
+        </p:txBody>
+      </p:sp>
+    </p:spTree>
+  </p:cSld>
+  <p:clrMapOvr>
+    <a:masterClrMapping/>
+  </p:clrMapOvr>
+</p:notes>
+</file>
+
+<file path=ppt/notesSlides/notesSlide16.xml><?xml version="1.0" encoding="utf-8"?>
+<p:notes xmlns:a="http://schemas.openxmlformats.org/drawingml/2006/main" xmlns:r="http://schemas.openxmlformats.org/officeDocument/2006/relationships" xmlns:mc="http://schemas.openxmlformats.org/markup-compatibility/2006" xmlns:mv="urn:schemas-microsoft-com:mac:vml" xmlns:p="http://schemas.openxmlformats.org/presentationml/2006/main" xmlns:c="http://schemas.openxmlformats.org/drawingml/2006/chart" xmlns:dgm="http://schemas.openxmlformats.org/drawingml/2006/diagram" xmlns:o="urn:schemas-microsoft-com:office:office" xmlns:v="urn:schemas-microsoft-com:vml" xmlns:pvml="urn:schemas-microsoft-com:office:powerpoint" xmlns:com="http://schemas.openxmlformats.org/drawingml/2006/compatibility" xmlns:p14="http://schemas.microsoft.com/office/powerpoint/2010/main" showMasterPhAnim="0" showMasterSp="0">
+  <p:cSld>
+    <p:spTree>
+      <p:nvGrpSpPr>
+        <p:cNvPr id="183" name="Shape 183"/>
+        <p:cNvGrpSpPr/>
+        <p:nvPr/>
+      </p:nvGrpSpPr>
+      <p:grpSpPr>
+        <a:xfrm>
+          <a:off x="0" y="0"/>
+          <a:ext cx="0" cy="0"/>
+          <a:chOff x="0" y="0"/>
+          <a:chExt cx="0" cy="0"/>
+        </a:xfrm>
+      </p:grpSpPr>
+      <p:sp>
+        <p:nvSpPr>
+          <p:cNvPr id="184" name="Shape 184"/>
+          <p:cNvSpPr/>
+          <p:nvPr>
+            <p:ph idx="2" type="sldImg"/>
+          </p:nvPr>
+        </p:nvSpPr>
+        <p:spPr>
+          <a:xfrm>
+            <a:off x="381300" y="685800"/>
+            <a:ext cx="6096000" cy="3429000"/>
+          </a:xfrm>
+          <a:custGeom>
+            <a:pathLst>
+              <a:path extrusionOk="0" h="120000" w="120000">
+                <a:moveTo>
+                  <a:pt x="0" y="0"/>
+                </a:moveTo>
+                <a:lnTo>
+                  <a:pt x="120000" y="0"/>
+                </a:lnTo>
+                <a:lnTo>
+                  <a:pt x="120000" y="120000"/>
+                </a:lnTo>
+                <a:lnTo>
+                  <a:pt x="0" y="120000"/>
+                </a:lnTo>
+                <a:close/>
+              </a:path>
+            </a:pathLst>
+          </a:custGeom>
+        </p:spPr>
+      </p:sp>
+      <p:sp>
+        <p:nvSpPr>
+          <p:cNvPr id="185" name="Shape 185"/>
+          <p:cNvSpPr txBox="1"/>
+          <p:nvPr>
+            <p:ph idx="1" type="body"/>
+          </p:nvPr>
+        </p:nvSpPr>
+        <p:spPr>
+          <a:xfrm>
+            <a:off x="685800" y="4343400"/>
+            <a:ext cx="5486400" cy="4114800"/>
+          </a:xfrm>
+          <a:prstGeom prst="rect">
+            <a:avLst/>
+          </a:prstGeom>
+        </p:spPr>
+        <p:txBody>
+          <a:bodyPr anchorCtr="0" anchor="t" bIns="91425" lIns="91425" rIns="91425" tIns="91425">
+            <a:noAutofit/>
+          </a:bodyPr>
+          <a:lstStyle/>
+          <a:p>
+            <a:pPr lvl="0" rtl="0">
+              <a:spcBef>
+                <a:spcPts val="0"/>
+              </a:spcBef>
+              <a:buNone/>
+            </a:pPr>
+            <a:r>
+              <a:t/>
+            </a:r>
+            <a:endParaRPr/>
+          </a:p>
+        </p:txBody>
+      </p:sp>
+    </p:spTree>
+  </p:cSld>
+  <p:clrMapOvr>
+    <a:masterClrMapping/>
+  </p:clrMapOvr>
+</p:notes>
+</file>
+
+<file path=ppt/notesSlides/notesSlide17.xml><?xml version="1.0" encoding="utf-8"?>
+<p:notes xmlns:a="http://schemas.openxmlformats.org/drawingml/2006/main" xmlns:r="http://schemas.openxmlformats.org/officeDocument/2006/relationships" xmlns:mc="http://schemas.openxmlformats.org/markup-compatibility/2006" xmlns:mv="urn:schemas-microsoft-com:mac:vml" xmlns:p="http://schemas.openxmlformats.org/presentationml/2006/main" xmlns:c="http://schemas.openxmlformats.org/drawingml/2006/chart" xmlns:dgm="http://schemas.openxmlformats.org/drawingml/2006/diagram" xmlns:o="urn:schemas-microsoft-com:office:office" xmlns:v="urn:schemas-microsoft-com:vml" xmlns:pvml="urn:schemas-microsoft-com:office:powerpoint" xmlns:com="http://schemas.openxmlformats.org/drawingml/2006/compatibility" xmlns:p14="http://schemas.microsoft.com/office/powerpoint/2010/main" showMasterPhAnim="0" showMasterSp="0">
+  <p:cSld>
+    <p:spTree>
+      <p:nvGrpSpPr>
+        <p:cNvPr id="189" name="Shape 189"/>
+        <p:cNvGrpSpPr/>
+        <p:nvPr/>
+      </p:nvGrpSpPr>
+      <p:grpSpPr>
+        <a:xfrm>
+          <a:off x="0" y="0"/>
+          <a:ext cx="0" cy="0"/>
+          <a:chOff x="0" y="0"/>
+          <a:chExt cx="0" cy="0"/>
+        </a:xfrm>
+      </p:grpSpPr>
+      <p:sp>
+        <p:nvSpPr>
+          <p:cNvPr id="190" name="Shape 190"/>
+          <p:cNvSpPr/>
+          <p:nvPr>
+            <p:ph idx="2" type="sldImg"/>
+          </p:nvPr>
+        </p:nvSpPr>
+        <p:spPr>
+          <a:xfrm>
+            <a:off x="381300" y="685800"/>
+            <a:ext cx="6096000" cy="3429000"/>
+          </a:xfrm>
+          <a:custGeom>
+            <a:pathLst>
+              <a:path extrusionOk="0" h="120000" w="120000">
+                <a:moveTo>
+                  <a:pt x="0" y="0"/>
+                </a:moveTo>
+                <a:lnTo>
+                  <a:pt x="120000" y="0"/>
+                </a:lnTo>
+                <a:lnTo>
+                  <a:pt x="120000" y="120000"/>
+                </a:lnTo>
+                <a:lnTo>
+                  <a:pt x="0" y="120000"/>
+                </a:lnTo>
+                <a:close/>
+              </a:path>
+            </a:pathLst>
+          </a:custGeom>
+        </p:spPr>
+      </p:sp>
+      <p:sp>
+        <p:nvSpPr>
+          <p:cNvPr id="191" name="Shape 191"/>
+          <p:cNvSpPr txBox="1"/>
+          <p:nvPr>
+            <p:ph idx="1" type="body"/>
+          </p:nvPr>
+        </p:nvSpPr>
+        <p:spPr>
+          <a:xfrm>
+            <a:off x="685800" y="4343400"/>
+            <a:ext cx="5486400" cy="4114800"/>
+          </a:xfrm>
+          <a:prstGeom prst="rect">
+            <a:avLst/>
+          </a:prstGeom>
+        </p:spPr>
+        <p:txBody>
+          <a:bodyPr anchorCtr="0" anchor="t" bIns="91425" lIns="91425" rIns="91425" tIns="91425">
+            <a:noAutofit/>
+          </a:bodyPr>
+          <a:lstStyle/>
+          <a:p>
+            <a:pPr lvl="0" rtl="0">
+              <a:spcBef>
+                <a:spcPts val="0"/>
+              </a:spcBef>
+              <a:buNone/>
+            </a:pPr>
+            <a:r>
+              <a:t/>
+            </a:r>
+            <a:endParaRPr/>
+          </a:p>
+        </p:txBody>
+      </p:sp>
+    </p:spTree>
+  </p:cSld>
+  <p:clrMapOvr>
+    <a:masterClrMapping/>
+  </p:clrMapOvr>
+</p:notes>
+</file>
+
+<file path=ppt/notesSlides/notesSlide18.xml><?xml version="1.0" encoding="utf-8"?>
+<p:notes xmlns:a="http://schemas.openxmlformats.org/drawingml/2006/main" xmlns:r="http://schemas.openxmlformats.org/officeDocument/2006/relationships" xmlns:mc="http://schemas.openxmlformats.org/markup-compatibility/2006" xmlns:mv="urn:schemas-microsoft-com:mac:vml" xmlns:p="http://schemas.openxmlformats.org/presentationml/2006/main" xmlns:c="http://schemas.openxmlformats.org/drawingml/2006/chart" xmlns:dgm="http://schemas.openxmlformats.org/drawingml/2006/diagram" xmlns:o="urn:schemas-microsoft-com:office:office" xmlns:v="urn:schemas-microsoft-com:vml" xmlns:pvml="urn:schemas-microsoft-com:office:powerpoint" xmlns:com="http://schemas.openxmlformats.org/drawingml/2006/compatibility" xmlns:p14="http://schemas.microsoft.com/office/powerpoint/2010/main" showMasterPhAnim="0" showMasterSp="0">
+  <p:cSld>
+    <p:spTree>
+      <p:nvGrpSpPr>
+        <p:cNvPr id="197" name="Shape 197"/>
+        <p:cNvGrpSpPr/>
+        <p:nvPr/>
+      </p:nvGrpSpPr>
+      <p:grpSpPr>
+        <a:xfrm>
+          <a:off x="0" y="0"/>
+          <a:ext cx="0" cy="0"/>
+          <a:chOff x="0" y="0"/>
+          <a:chExt cx="0" cy="0"/>
+        </a:xfrm>
+      </p:grpSpPr>
+      <p:sp>
+        <p:nvSpPr>
+          <p:cNvPr id="198" name="Shape 198"/>
+          <p:cNvSpPr/>
+          <p:nvPr>
+            <p:ph idx="2" type="sldImg"/>
+          </p:nvPr>
+        </p:nvSpPr>
+        <p:spPr>
+          <a:xfrm>
+            <a:off x="381300" y="685800"/>
+            <a:ext cx="6096000" cy="3429000"/>
+          </a:xfrm>
+          <a:custGeom>
+            <a:pathLst>
+              <a:path extrusionOk="0" h="120000" w="120000">
+                <a:moveTo>
+                  <a:pt x="0" y="0"/>
+                </a:moveTo>
+                <a:lnTo>
+                  <a:pt x="120000" y="0"/>
+                </a:lnTo>
+                <a:lnTo>
+                  <a:pt x="120000" y="120000"/>
+                </a:lnTo>
+                <a:lnTo>
+                  <a:pt x="0" y="120000"/>
+                </a:lnTo>
+                <a:close/>
+              </a:path>
+            </a:pathLst>
+          </a:custGeom>
+        </p:spPr>
+      </p:sp>
+      <p:sp>
+        <p:nvSpPr>
+          <p:cNvPr id="199" name="Shape 199"/>
+          <p:cNvSpPr txBox="1"/>
+          <p:nvPr>
+            <p:ph idx="1" type="body"/>
+          </p:nvPr>
+        </p:nvSpPr>
+        <p:spPr>
+          <a:xfrm>
+            <a:off x="685800" y="4343400"/>
+            <a:ext cx="5486400" cy="4114800"/>
+          </a:xfrm>
+          <a:prstGeom prst="rect">
+            <a:avLst/>
+          </a:prstGeom>
+        </p:spPr>
+        <p:txBody>
+          <a:bodyPr anchorCtr="0" anchor="t" bIns="91425" lIns="91425" rIns="91425" tIns="91425">
+            <a:noAutofit/>
+          </a:bodyPr>
+          <a:lstStyle/>
+          <a:p>
+            <a:pPr lvl="0" rtl="0">
+              <a:spcBef>
+                <a:spcPts val="0"/>
+              </a:spcBef>
+              <a:buNone/>
+            </a:pPr>
+            <a:r>
+              <a:t/>
+            </a:r>
+            <a:endParaRPr/>
+          </a:p>
+        </p:txBody>
+      </p:sp>
+    </p:spTree>
+  </p:cSld>
+  <p:clrMapOvr>
+    <a:masterClrMapping/>
+  </p:clrMapOvr>
+</p:notes>
+</file>
+
+<file path=ppt/notesSlides/notesSlide19.xml><?xml version="1.0" encoding="utf-8"?>
+<p:notes xmlns:a="http://schemas.openxmlformats.org/drawingml/2006/main" xmlns:r="http://schemas.openxmlformats.org/officeDocument/2006/relationships" xmlns:mc="http://schemas.openxmlformats.org/markup-compatibility/2006" xmlns:mv="urn:schemas-microsoft-com:mac:vml" xmlns:p="http://schemas.openxmlformats.org/presentationml/2006/main" xmlns:c="http://schemas.openxmlformats.org/drawingml/2006/chart" xmlns:dgm="http://schemas.openxmlformats.org/drawingml/2006/diagram" xmlns:o="urn:schemas-microsoft-com:office:office" xmlns:v="urn:schemas-microsoft-com:vml" xmlns:pvml="urn:schemas-microsoft-com:office:powerpoint" xmlns:com="http://schemas.openxmlformats.org/drawingml/2006/compatibility" xmlns:p14="http://schemas.microsoft.com/office/powerpoint/2010/main" showMasterPhAnim="0" showMasterSp="0">
+  <p:cSld>
+    <p:spTree>
+      <p:nvGrpSpPr>
+        <p:cNvPr id="205" name="Shape 205"/>
+        <p:cNvGrpSpPr/>
+        <p:nvPr/>
+      </p:nvGrpSpPr>
+      <p:grpSpPr>
+        <a:xfrm>
+          <a:off x="0" y="0"/>
+          <a:ext cx="0" cy="0"/>
+          <a:chOff x="0" y="0"/>
+          <a:chExt cx="0" cy="0"/>
+        </a:xfrm>
+      </p:grpSpPr>
+      <p:sp>
+        <p:nvSpPr>
+          <p:cNvPr id="206" name="Shape 206"/>
+          <p:cNvSpPr/>
+          <p:nvPr>
+            <p:ph idx="2" type="sldImg"/>
+          </p:nvPr>
+        </p:nvSpPr>
+        <p:spPr>
+          <a:xfrm>
+            <a:off x="381300" y="685800"/>
+            <a:ext cx="6096000" cy="3429000"/>
+          </a:xfrm>
+          <a:custGeom>
+            <a:pathLst>
+              <a:path extrusionOk="0" h="120000" w="120000">
+                <a:moveTo>
+                  <a:pt x="0" y="0"/>
+                </a:moveTo>
+                <a:lnTo>
+                  <a:pt x="120000" y="0"/>
+                </a:lnTo>
+                <a:lnTo>
+                  <a:pt x="120000" y="120000"/>
+                </a:lnTo>
+                <a:lnTo>
+                  <a:pt x="0" y="120000"/>
+                </a:lnTo>
+                <a:close/>
+              </a:path>
+            </a:pathLst>
+          </a:custGeom>
+        </p:spPr>
+      </p:sp>
+      <p:sp>
+        <p:nvSpPr>
+          <p:cNvPr id="207" name="Shape 207"/>
+          <p:cNvSpPr txBox="1"/>
+          <p:nvPr>
+            <p:ph idx="1" type="body"/>
+          </p:nvPr>
+        </p:nvSpPr>
+        <p:spPr>
+          <a:xfrm>
+            <a:off x="685800" y="4343400"/>
+            <a:ext cx="5486400" cy="4114800"/>
+          </a:xfrm>
+          <a:prstGeom prst="rect">
+            <a:avLst/>
+          </a:prstGeom>
+        </p:spPr>
+        <p:txBody>
+          <a:bodyPr anchorCtr="0" anchor="t" bIns="91425" lIns="91425" rIns="91425" tIns="91425">
+            <a:noAutofit/>
+          </a:bodyPr>
+          <a:lstStyle/>
+          <a:p>
+            <a:pPr lvl="0" rtl="0">
               <a:spcBef>
                 <a:spcPts val="0"/>
               </a:spcBef>
@@ -1140,6 +1525,101 @@
 </p:notes>
 </file>
 
+<file path=ppt/notesSlides/notesSlide20.xml><?xml version="1.0" encoding="utf-8"?>
+<p:notes xmlns:a="http://schemas.openxmlformats.org/drawingml/2006/main" xmlns:r="http://schemas.openxmlformats.org/officeDocument/2006/relationships" xmlns:mc="http://schemas.openxmlformats.org/markup-compatibility/2006" xmlns:mv="urn:schemas-microsoft-com:mac:vml" xmlns:p="http://schemas.openxmlformats.org/presentationml/2006/main" xmlns:c="http://schemas.openxmlformats.org/drawingml/2006/chart" xmlns:dgm="http://schemas.openxmlformats.org/drawingml/2006/diagram" xmlns:o="urn:schemas-microsoft-com:office:office" xmlns:v="urn:schemas-microsoft-com:vml" xmlns:pvml="urn:schemas-microsoft-com:office:powerpoint" xmlns:com="http://schemas.openxmlformats.org/drawingml/2006/compatibility" xmlns:p14="http://schemas.microsoft.com/office/powerpoint/2010/main" showMasterPhAnim="0" showMasterSp="0">
+  <p:cSld>
+    <p:spTree>
+      <p:nvGrpSpPr>
+        <p:cNvPr id="211" name="Shape 211"/>
+        <p:cNvGrpSpPr/>
+        <p:nvPr/>
+      </p:nvGrpSpPr>
+      <p:grpSpPr>
+        <a:xfrm>
+          <a:off x="0" y="0"/>
+          <a:ext cx="0" cy="0"/>
+          <a:chOff x="0" y="0"/>
+          <a:chExt cx="0" cy="0"/>
+        </a:xfrm>
+      </p:grpSpPr>
+      <p:sp>
+        <p:nvSpPr>
+          <p:cNvPr id="212" name="Shape 212"/>
+          <p:cNvSpPr/>
+          <p:nvPr>
+            <p:ph idx="2" type="sldImg"/>
+          </p:nvPr>
+        </p:nvSpPr>
+        <p:spPr>
+          <a:xfrm>
+            <a:off x="381300" y="685800"/>
+            <a:ext cx="6096000" cy="3429000"/>
+          </a:xfrm>
+          <a:custGeom>
+            <a:pathLst>
+              <a:path extrusionOk="0" h="120000" w="120000">
+                <a:moveTo>
+                  <a:pt x="0" y="0"/>
+                </a:moveTo>
+                <a:lnTo>
+                  <a:pt x="120000" y="0"/>
+                </a:lnTo>
+                <a:lnTo>
+                  <a:pt x="120000" y="120000"/>
+                </a:lnTo>
+                <a:lnTo>
+                  <a:pt x="0" y="120000"/>
+                </a:lnTo>
+                <a:close/>
+              </a:path>
+            </a:pathLst>
+          </a:custGeom>
+        </p:spPr>
+      </p:sp>
+      <p:sp>
+        <p:nvSpPr>
+          <p:cNvPr id="213" name="Shape 213"/>
+          <p:cNvSpPr txBox="1"/>
+          <p:nvPr>
+            <p:ph idx="1" type="body"/>
+          </p:nvPr>
+        </p:nvSpPr>
+        <p:spPr>
+          <a:xfrm>
+            <a:off x="685800" y="4343400"/>
+            <a:ext cx="5486400" cy="4114800"/>
+          </a:xfrm>
+          <a:prstGeom prst="rect">
+            <a:avLst/>
+          </a:prstGeom>
+        </p:spPr>
+        <p:txBody>
+          <a:bodyPr anchorCtr="0" anchor="t" bIns="91425" lIns="91425" rIns="91425" tIns="91425">
+            <a:noAutofit/>
+          </a:bodyPr>
+          <a:lstStyle/>
+          <a:p>
+            <a:pPr lvl="0">
+              <a:spcBef>
+                <a:spcPts val="0"/>
+              </a:spcBef>
+              <a:buNone/>
+            </a:pPr>
+            <a:r>
+              <a:t/>
+            </a:r>
+            <a:endParaRPr/>
+          </a:p>
+        </p:txBody>
+      </p:sp>
+    </p:spTree>
+  </p:cSld>
+  <p:clrMapOvr>
+    <a:masterClrMapping/>
+  </p:clrMapOvr>
+</p:notes>
+</file>
+
 <file path=ppt/notesSlides/notesSlide3.xml><?xml version="1.0" encoding="utf-8"?>
 <p:notes xmlns:a="http://schemas.openxmlformats.org/drawingml/2006/main" xmlns:r="http://schemas.openxmlformats.org/officeDocument/2006/relationships" xmlns:mc="http://schemas.openxmlformats.org/markup-compatibility/2006" xmlns:mv="urn:schemas-microsoft-com:mac:vml" xmlns:p="http://schemas.openxmlformats.org/presentationml/2006/main" xmlns:c="http://schemas.openxmlformats.org/drawingml/2006/chart" xmlns:dgm="http://schemas.openxmlformats.org/drawingml/2006/diagram" xmlns:o="urn:schemas-microsoft-com:office:office" xmlns:v="urn:schemas-microsoft-com:vml" xmlns:pvml="urn:schemas-microsoft-com:office:powerpoint" xmlns:com="http://schemas.openxmlformats.org/drawingml/2006/compatibility" xmlns:p14="http://schemas.microsoft.com/office/powerpoint/2010/main" showMasterPhAnim="0" showMasterSp="0">
   <p:cSld>
@@ -1335,7 +1815,7 @@
   <p:cSld>
     <p:spTree>
       <p:nvGrpSpPr>
-        <p:cNvPr id="88" name="Shape 88"/>
+        <p:cNvPr id="89" name="Shape 89"/>
         <p:cNvGrpSpPr/>
         <p:nvPr/>
       </p:nvGrpSpPr>
@@ -1349,7 +1829,7 @@
       </p:grpSpPr>
       <p:sp>
         <p:nvSpPr>
-          <p:cNvPr id="89" name="Shape 89"/>
+          <p:cNvPr id="90" name="Shape 90"/>
           <p:cNvSpPr/>
           <p:nvPr>
             <p:ph idx="2" type="sldImg"/>
@@ -1383,7 +1863,7 @@
       </p:sp>
       <p:sp>
         <p:nvSpPr>
-          <p:cNvPr id="90" name="Shape 90"/>
+          <p:cNvPr id="91" name="Shape 91"/>
           <p:cNvSpPr txBox="1"/>
           <p:nvPr>
             <p:ph idx="1" type="body"/>
@@ -1404,7 +1884,7 @@
           </a:bodyPr>
           <a:lstStyle/>
           <a:p>
-            <a:pPr lvl="0" rtl="0">
+            <a:pPr lvl="0">
               <a:spcBef>
                 <a:spcPts val="0"/>
               </a:spcBef>
@@ -1430,7 +1910,7 @@
   <p:cSld>
     <p:spTree>
       <p:nvGrpSpPr>
-        <p:cNvPr id="94" name="Shape 94"/>
+        <p:cNvPr id="96" name="Shape 96"/>
         <p:cNvGrpSpPr/>
         <p:nvPr/>
       </p:nvGrpSpPr>
@@ -1444,7 +1924,7 @@
       </p:grpSpPr>
       <p:sp>
         <p:nvSpPr>
-          <p:cNvPr id="95" name="Shape 95"/>
+          <p:cNvPr id="97" name="Shape 97"/>
           <p:cNvSpPr/>
           <p:nvPr>
             <p:ph idx="2" type="sldImg"/>
@@ -1478,7 +1958,7 @@
       </p:sp>
       <p:sp>
         <p:nvSpPr>
-          <p:cNvPr id="96" name="Shape 96"/>
+          <p:cNvPr id="98" name="Shape 98"/>
           <p:cNvSpPr txBox="1"/>
           <p:nvPr>
             <p:ph idx="1" type="body"/>
@@ -1525,7 +2005,7 @@
   <p:cSld>
     <p:spTree>
       <p:nvGrpSpPr>
-        <p:cNvPr id="100" name="Shape 100"/>
+        <p:cNvPr id="103" name="Shape 103"/>
         <p:cNvGrpSpPr/>
         <p:nvPr/>
       </p:nvGrpSpPr>
@@ -1539,7 +2019,7 @@
       </p:grpSpPr>
       <p:sp>
         <p:nvSpPr>
-          <p:cNvPr id="101" name="Shape 101"/>
+          <p:cNvPr id="104" name="Shape 104"/>
           <p:cNvSpPr/>
           <p:nvPr>
             <p:ph idx="2" type="sldImg"/>
@@ -1573,7 +2053,7 @@
       </p:sp>
       <p:sp>
         <p:nvSpPr>
-          <p:cNvPr id="102" name="Shape 102"/>
+          <p:cNvPr id="105" name="Shape 105"/>
           <p:cNvSpPr txBox="1"/>
           <p:nvPr>
             <p:ph idx="1" type="body"/>
@@ -1620,7 +2100,7 @@
   <p:cSld>
     <p:spTree>
       <p:nvGrpSpPr>
-        <p:cNvPr id="121" name="Shape 121"/>
+        <p:cNvPr id="108" name="Shape 108"/>
         <p:cNvGrpSpPr/>
         <p:nvPr/>
       </p:nvGrpSpPr>
@@ -1634,7 +2114,7 @@
       </p:grpSpPr>
       <p:sp>
         <p:nvSpPr>
-          <p:cNvPr id="122" name="Shape 122"/>
+          <p:cNvPr id="109" name="Shape 109"/>
           <p:cNvSpPr/>
           <p:nvPr>
             <p:ph idx="2" type="sldImg"/>
@@ -1668,7 +2148,7 @@
       </p:sp>
       <p:sp>
         <p:nvSpPr>
-          <p:cNvPr id="123" name="Shape 123"/>
+          <p:cNvPr id="110" name="Shape 110"/>
           <p:cNvSpPr txBox="1"/>
           <p:nvPr>
             <p:ph idx="1" type="body"/>
@@ -1689,7 +2169,7 @@
           </a:bodyPr>
           <a:lstStyle/>
           <a:p>
-            <a:pPr lvl="0" rtl="0">
+            <a:pPr lvl="0">
               <a:spcBef>
                 <a:spcPts val="0"/>
               </a:spcBef>
@@ -1715,7 +2195,7 @@
   <p:cSld>
     <p:spTree>
       <p:nvGrpSpPr>
-        <p:cNvPr id="127" name="Shape 127"/>
+        <p:cNvPr id="114" name="Shape 114"/>
         <p:cNvGrpSpPr/>
         <p:nvPr/>
       </p:nvGrpSpPr>
@@ -1729,7 +2209,7 @@
       </p:grpSpPr>
       <p:sp>
         <p:nvSpPr>
-          <p:cNvPr id="128" name="Shape 128"/>
+          <p:cNvPr id="115" name="Shape 115"/>
           <p:cNvSpPr/>
           <p:nvPr>
             <p:ph idx="2" type="sldImg"/>
@@ -1763,7 +2243,7 @@
       </p:sp>
       <p:sp>
         <p:nvSpPr>
-          <p:cNvPr id="129" name="Shape 129"/>
+          <p:cNvPr id="116" name="Shape 116"/>
           <p:cNvSpPr txBox="1"/>
           <p:nvPr>
             <p:ph idx="1" type="body"/>
@@ -1784,7 +2264,7 @@
           </a:bodyPr>
           <a:lstStyle/>
           <a:p>
-            <a:pPr lvl="0">
+            <a:pPr lvl="0" rtl="0">
               <a:spcBef>
                 <a:spcPts val="0"/>
               </a:spcBef>
@@ -6018,7 +6498,7 @@
   <p:cSld>
     <p:spTree>
       <p:nvGrpSpPr>
-        <p:cNvPr id="145" name="Shape 145"/>
+        <p:cNvPr id="124" name="Shape 124"/>
         <p:cNvGrpSpPr/>
         <p:nvPr/>
       </p:nvGrpSpPr>
@@ -6030,9 +6510,36 @@
           <a:chExt cx="0" cy="0"/>
         </a:xfrm>
       </p:grpSpPr>
-      <p:sp>
-        <p:nvSpPr>
-          <p:cNvPr id="146" name="Shape 146"/>
+      <p:pic>
+        <p:nvPicPr>
+          <p:cNvPr descr="screenshot_20170624_154358.png" id="125" name="Shape 125"/>
+          <p:cNvPicPr preferRelativeResize="0"/>
+          <p:nvPr/>
+        </p:nvPicPr>
+        <p:blipFill rotWithShape="1">
+          <a:blip r:embed="rId3">
+            <a:alphaModFix/>
+          </a:blip>
+          <a:srcRect b="16768" l="0" r="0" t="16768"/>
+          <a:stretch/>
+        </p:blipFill>
+        <p:spPr>
+          <a:xfrm>
+            <a:off x="200" y="0"/>
+            <a:ext cx="4572000" cy="5143500"/>
+          </a:xfrm>
+          <a:prstGeom prst="rect">
+            <a:avLst/>
+          </a:prstGeom>
+          <a:noFill/>
+          <a:ln>
+            <a:noFill/>
+          </a:ln>
+        </p:spPr>
+      </p:pic>
+      <p:sp>
+        <p:nvSpPr>
+          <p:cNvPr id="126" name="Shape 126"/>
           <p:cNvSpPr txBox="1"/>
           <p:nvPr>
             <p:ph type="title"/>
@@ -6053,7 +6560,7 @@
           </a:bodyPr>
           <a:lstStyle/>
           <a:p>
-            <a:pPr lvl="0" rtl="0" algn="l">
+            <a:pPr lvl="0" rtl="0">
               <a:spcBef>
                 <a:spcPts val="0"/>
               </a:spcBef>
@@ -6061,7 +6568,7 @@
             </a:pPr>
             <a:r>
               <a:rPr lang="es"/>
-              <a:t>		Singleton</a:t>
+              <a:t>Patrones de Diseño</a:t>
             </a:r>
           </a:p>
         </p:txBody>
@@ -6079,7 +6586,7 @@
   <p:cSld>
     <p:spTree>
       <p:nvGrpSpPr>
-        <p:cNvPr id="150" name="Shape 150"/>
+        <p:cNvPr id="130" name="Shape 130"/>
         <p:cNvGrpSpPr/>
         <p:nvPr/>
       </p:nvGrpSpPr>
@@ -6091,36 +6598,9 @@
           <a:chExt cx="0" cy="0"/>
         </a:xfrm>
       </p:grpSpPr>
-      <p:pic>
-        <p:nvPicPr>
-          <p:cNvPr descr="screenshot_20170624_154358.png" id="151" name="Shape 151"/>
-          <p:cNvPicPr preferRelativeResize="0"/>
-          <p:nvPr/>
-        </p:nvPicPr>
-        <p:blipFill rotWithShape="1">
-          <a:blip r:embed="rId3">
-            <a:alphaModFix/>
-          </a:blip>
-          <a:srcRect b="16768" l="0" r="0" t="16768"/>
-          <a:stretch/>
-        </p:blipFill>
-        <p:spPr>
-          <a:xfrm>
-            <a:off x="200" y="0"/>
-            <a:ext cx="4572000" cy="5143500"/>
-          </a:xfrm>
-          <a:prstGeom prst="rect">
-            <a:avLst/>
-          </a:prstGeom>
-          <a:noFill/>
-          <a:ln>
-            <a:noFill/>
-          </a:ln>
-        </p:spPr>
-      </p:pic>
-      <p:sp>
-        <p:nvSpPr>
-          <p:cNvPr id="152" name="Shape 152"/>
+      <p:sp>
+        <p:nvSpPr>
+          <p:cNvPr id="131" name="Shape 131"/>
           <p:cNvSpPr txBox="1"/>
           <p:nvPr>
             <p:ph type="title"/>
@@ -6141,7 +6621,7 @@
           </a:bodyPr>
           <a:lstStyle/>
           <a:p>
-            <a:pPr lvl="0" rtl="0">
+            <a:pPr lvl="0">
               <a:spcBef>
                 <a:spcPts val="0"/>
               </a:spcBef>
@@ -6149,11 +6629,39 @@
             </a:pPr>
             <a:r>
               <a:rPr lang="es"/>
-              <a:t>Test</a:t>
+              <a:t>Observer</a:t>
             </a:r>
           </a:p>
         </p:txBody>
       </p:sp>
+      <p:pic>
+        <p:nvPicPr>
+          <p:cNvPr id="132" name="Shape 132"/>
+          <p:cNvPicPr preferRelativeResize="0"/>
+          <p:nvPr/>
+        </p:nvPicPr>
+        <p:blipFill>
+          <a:blip r:embed="rId3">
+            <a:alphaModFix/>
+          </a:blip>
+          <a:stretch>
+            <a:fillRect/>
+          </a:stretch>
+        </p:blipFill>
+        <p:spPr>
+          <a:xfrm>
+            <a:off x="238800" y="822687"/>
+            <a:ext cx="4616024" cy="3498124"/>
+          </a:xfrm>
+          <a:prstGeom prst="rect">
+            <a:avLst/>
+          </a:prstGeom>
+          <a:noFill/>
+          <a:ln>
+            <a:noFill/>
+          </a:ln>
+        </p:spPr>
+      </p:pic>
     </p:spTree>
   </p:cSld>
   <p:clrMapOvr>
@@ -6167,7 +6675,7 @@
   <p:cSld>
     <p:spTree>
       <p:nvGrpSpPr>
-        <p:cNvPr id="156" name="Shape 156"/>
+        <p:cNvPr id="136" name="Shape 136"/>
         <p:cNvGrpSpPr/>
         <p:nvPr/>
       </p:nvGrpSpPr>
@@ -6181,20 +6689,28 @@
       </p:grpSpPr>
       <p:sp>
         <p:nvSpPr>
-          <p:cNvPr id="157" name="Shape 157"/>
-          <p:cNvSpPr txBox="1"/>
-          <p:nvPr>
-            <p:ph type="title"/>
-          </p:nvPr>
-        </p:nvSpPr>
-        <p:spPr>
-          <a:xfrm>
-            <a:off x="5172950" y="923700"/>
-            <a:ext cx="3370500" cy="3296100"/>
-          </a:xfrm>
-          <a:prstGeom prst="rect">
-            <a:avLst/>
-          </a:prstGeom>
+          <p:cNvPr id="137" name="Shape 137"/>
+          <p:cNvSpPr/>
+          <p:nvPr/>
+        </p:nvSpPr>
+        <p:spPr>
+          <a:xfrm>
+            <a:off x="115550" y="3613700"/>
+            <a:ext cx="4067400" cy="1495800"/>
+          </a:xfrm>
+          <a:prstGeom prst="rect">
+            <a:avLst/>
+          </a:prstGeom>
+          <a:noFill/>
+          <a:ln cap="flat" cmpd="sng" w="19050">
+            <a:solidFill>
+              <a:srgbClr val="A64D79"/>
+            </a:solidFill>
+            <a:prstDash val="solid"/>
+            <a:round/>
+            <a:headEnd len="med" w="med" type="none"/>
+            <a:tailEnd len="med" w="med" type="none"/>
+          </a:ln>
         </p:spPr>
         <p:txBody>
           <a:bodyPr anchorCtr="0" anchor="ctr" bIns="91425" lIns="91425" rIns="91425" tIns="91425">
@@ -6202,7 +6718,7 @@
           </a:bodyPr>
           <a:lstStyle/>
           <a:p>
-            <a:pPr lvl="0" rtl="0">
+            <a:pPr lvl="0">
               <a:spcBef>
                 <a:spcPts val="0"/>
               </a:spcBef>
@@ -6217,7 +6733,7 @@
       </p:sp>
       <p:pic>
         <p:nvPicPr>
-          <p:cNvPr id="158" name="Shape 158"/>
+          <p:cNvPr id="138" name="Shape 138"/>
           <p:cNvPicPr preferRelativeResize="0"/>
           <p:nvPr/>
         </p:nvPicPr>
@@ -6231,8 +6747,8 @@
         </p:blipFill>
         <p:spPr>
           <a:xfrm>
-            <a:off x="3335725" y="55150"/>
-            <a:ext cx="5699950" cy="5033200"/>
+            <a:off x="252500" y="2429562"/>
+            <a:ext cx="3457575" cy="885825"/>
           </a:xfrm>
           <a:prstGeom prst="rect">
             <a:avLst/>
@@ -6245,25 +6761,31 @@
       </p:pic>
       <p:sp>
         <p:nvSpPr>
-          <p:cNvPr id="159" name="Shape 159"/>
-          <p:cNvSpPr txBox="1"/>
+          <p:cNvPr id="139" name="Shape 139"/>
+          <p:cNvSpPr/>
           <p:nvPr/>
         </p:nvSpPr>
         <p:spPr>
-          <a:xfrm rot="-586074">
-            <a:off x="244907" y="349875"/>
-            <a:ext cx="2857525" cy="1003028"/>
+          <a:xfrm>
+            <a:off x="91850" y="2112500"/>
+            <a:ext cx="4067400" cy="1430100"/>
           </a:xfrm>
           <a:prstGeom prst="rect">
             <a:avLst/>
           </a:prstGeom>
           <a:noFill/>
-          <a:ln>
-            <a:noFill/>
+          <a:ln cap="flat" cmpd="sng" w="19050">
+            <a:solidFill>
+              <a:srgbClr val="5B0F00"/>
+            </a:solidFill>
+            <a:prstDash val="solid"/>
+            <a:round/>
+            <a:headEnd len="med" w="med" type="none"/>
+            <a:tailEnd len="med" w="med" type="none"/>
           </a:ln>
         </p:spPr>
         <p:txBody>
-          <a:bodyPr anchorCtr="0" anchor="t" bIns="91425" lIns="91425" rIns="91425" tIns="91425">
+          <a:bodyPr anchorCtr="0" anchor="ctr" bIns="91425" lIns="91425" rIns="91425" tIns="91425">
             <a:noAutofit/>
           </a:bodyPr>
           <a:lstStyle/>
@@ -6275,15 +6797,15 @@
               <a:buNone/>
             </a:pPr>
             <a:r>
-              <a:rPr lang="es" sz="2400"/>
-              <a:t>Clase Modelo</a:t>
+              <a:t/>
             </a:r>
+            <a:endParaRPr/>
           </a:p>
         </p:txBody>
       </p:sp>
       <p:pic>
         <p:nvPicPr>
-          <p:cNvPr id="160" name="Shape 160"/>
+          <p:cNvPr id="140" name="Shape 140"/>
           <p:cNvPicPr preferRelativeResize="0"/>
           <p:nvPr/>
         </p:nvPicPr>
@@ -6296,9 +6818,9 @@
           </a:stretch>
         </p:blipFill>
         <p:spPr>
-          <a:xfrm rot="-487323">
-            <a:off x="110607" y="2036540"/>
-            <a:ext cx="3382909" cy="1805944"/>
+          <a:xfrm>
+            <a:off x="81562" y="800425"/>
+            <a:ext cx="4505325" cy="819150"/>
           </a:xfrm>
           <a:prstGeom prst="rect">
             <a:avLst/>
@@ -6309,6 +6831,444 @@
           </a:ln>
         </p:spPr>
       </p:pic>
+      <p:pic>
+        <p:nvPicPr>
+          <p:cNvPr id="141" name="Shape 141"/>
+          <p:cNvPicPr preferRelativeResize="0"/>
+          <p:nvPr/>
+        </p:nvPicPr>
+        <p:blipFill>
+          <a:blip r:embed="rId5">
+            <a:alphaModFix/>
+          </a:blip>
+          <a:stretch>
+            <a:fillRect/>
+          </a:stretch>
+        </p:blipFill>
+        <p:spPr>
+          <a:xfrm>
+            <a:off x="343000" y="3899137"/>
+            <a:ext cx="3276600" cy="1019175"/>
+          </a:xfrm>
+          <a:prstGeom prst="rect">
+            <a:avLst/>
+          </a:prstGeom>
+          <a:noFill/>
+          <a:ln>
+            <a:noFill/>
+          </a:ln>
+        </p:spPr>
+      </p:pic>
+      <p:pic>
+        <p:nvPicPr>
+          <p:cNvPr id="142" name="Shape 142"/>
+          <p:cNvPicPr preferRelativeResize="0"/>
+          <p:nvPr/>
+        </p:nvPicPr>
+        <p:blipFill>
+          <a:blip r:embed="rId6">
+            <a:alphaModFix/>
+          </a:blip>
+          <a:stretch>
+            <a:fillRect/>
+          </a:stretch>
+        </p:blipFill>
+        <p:spPr>
+          <a:xfrm>
+            <a:off x="4308700" y="960000"/>
+            <a:ext cx="4777050" cy="4036950"/>
+          </a:xfrm>
+          <a:prstGeom prst="rect">
+            <a:avLst/>
+          </a:prstGeom>
+          <a:noFill/>
+          <a:ln>
+            <a:noFill/>
+          </a:ln>
+        </p:spPr>
+      </p:pic>
+      <p:sp>
+        <p:nvSpPr>
+          <p:cNvPr id="143" name="Shape 143"/>
+          <p:cNvSpPr txBox="1"/>
+          <p:nvPr/>
+        </p:nvSpPr>
+        <p:spPr>
+          <a:xfrm>
+            <a:off x="5366550" y="393625"/>
+            <a:ext cx="3188400" cy="406800"/>
+          </a:xfrm>
+          <a:prstGeom prst="rect">
+            <a:avLst/>
+          </a:prstGeom>
+          <a:noFill/>
+          <a:ln>
+            <a:noFill/>
+          </a:ln>
+        </p:spPr>
+        <p:txBody>
+          <a:bodyPr anchorCtr="0" anchor="t" bIns="91425" lIns="91425" rIns="91425" tIns="91425">
+            <a:noAutofit/>
+          </a:bodyPr>
+          <a:lstStyle/>
+          <a:p>
+            <a:pPr lvl="0">
+              <a:spcBef>
+                <a:spcPts val="0"/>
+              </a:spcBef>
+              <a:buNone/>
+            </a:pPr>
+            <a:r>
+              <a:rPr lang="es"/>
+              <a:t>clase observador</a:t>
+            </a:r>
+          </a:p>
+          <a:p>
+            <a:pPr lvl="0">
+              <a:spcBef>
+                <a:spcPts val="0"/>
+              </a:spcBef>
+              <a:buNone/>
+            </a:pPr>
+            <a:r>
+              <a:t/>
+            </a:r>
+            <a:endParaRPr/>
+          </a:p>
+        </p:txBody>
+      </p:sp>
+      <p:sp>
+        <p:nvSpPr>
+          <p:cNvPr id="144" name="Shape 144"/>
+          <p:cNvSpPr txBox="1"/>
+          <p:nvPr/>
+        </p:nvSpPr>
+        <p:spPr>
+          <a:xfrm>
+            <a:off x="170575" y="183700"/>
+            <a:ext cx="2808000" cy="406800"/>
+          </a:xfrm>
+          <a:prstGeom prst="rect">
+            <a:avLst/>
+          </a:prstGeom>
+          <a:noFill/>
+          <a:ln>
+            <a:noFill/>
+          </a:ln>
+        </p:spPr>
+        <p:txBody>
+          <a:bodyPr anchorCtr="0" anchor="t" bIns="91425" lIns="91425" rIns="91425" tIns="91425">
+            <a:noAutofit/>
+          </a:bodyPr>
+          <a:lstStyle/>
+          <a:p>
+            <a:pPr lvl="0">
+              <a:spcBef>
+                <a:spcPts val="0"/>
+              </a:spcBef>
+              <a:buNone/>
+            </a:pPr>
+            <a:r>
+              <a:rPr lang="es"/>
+              <a:t>clase controlador</a:t>
+            </a:r>
+          </a:p>
+        </p:txBody>
+      </p:sp>
+      <p:sp>
+        <p:nvSpPr>
+          <p:cNvPr id="145" name="Shape 145"/>
+          <p:cNvSpPr txBox="1"/>
+          <p:nvPr/>
+        </p:nvSpPr>
+        <p:spPr>
+          <a:xfrm>
+            <a:off x="177075" y="3488925"/>
+            <a:ext cx="3608400" cy="485400"/>
+          </a:xfrm>
+          <a:prstGeom prst="rect">
+            <a:avLst/>
+          </a:prstGeom>
+          <a:noFill/>
+          <a:ln>
+            <a:noFill/>
+          </a:ln>
+        </p:spPr>
+        <p:txBody>
+          <a:bodyPr anchorCtr="0" anchor="t" bIns="91425" lIns="91425" rIns="91425" tIns="91425">
+            <a:noAutofit/>
+          </a:bodyPr>
+          <a:lstStyle/>
+          <a:p>
+            <a:pPr lvl="0">
+              <a:spcBef>
+                <a:spcPts val="0"/>
+              </a:spcBef>
+              <a:buNone/>
+            </a:pPr>
+            <a:r>
+              <a:rPr lang="es"/>
+              <a:t>Metodo update dentro de vistaPrincipal</a:t>
+            </a:r>
+          </a:p>
+        </p:txBody>
+      </p:sp>
+      <p:sp>
+        <p:nvSpPr>
+          <p:cNvPr id="146" name="Shape 146"/>
+          <p:cNvSpPr/>
+          <p:nvPr/>
+        </p:nvSpPr>
+        <p:spPr>
+          <a:xfrm>
+            <a:off x="4513675" y="183700"/>
+            <a:ext cx="4572075" cy="4925800"/>
+          </a:xfrm>
+          <a:prstGeom prst="flowChartProcess">
+            <a:avLst/>
+          </a:prstGeom>
+          <a:noFill/>
+          <a:ln cap="flat" cmpd="sng" w="19050">
+            <a:solidFill>
+              <a:srgbClr val="FF0000"/>
+            </a:solidFill>
+            <a:prstDash val="solid"/>
+            <a:round/>
+            <a:headEnd len="med" w="med" type="none"/>
+            <a:tailEnd len="med" w="med" type="none"/>
+          </a:ln>
+        </p:spPr>
+        <p:txBody>
+          <a:bodyPr anchorCtr="0" anchor="ctr" bIns="91425" lIns="91425" rIns="91425" tIns="91425">
+            <a:noAutofit/>
+          </a:bodyPr>
+          <a:lstStyle/>
+          <a:p>
+            <a:pPr lvl="0">
+              <a:spcBef>
+                <a:spcPts val="0"/>
+              </a:spcBef>
+              <a:buNone/>
+            </a:pPr>
+            <a:r>
+              <a:t/>
+            </a:r>
+            <a:endParaRPr/>
+          </a:p>
+        </p:txBody>
+      </p:sp>
+      <p:cxnSp>
+        <p:nvCxnSpPr>
+          <p:cNvPr id="147" name="Shape 147"/>
+          <p:cNvCxnSpPr/>
+          <p:nvPr/>
+        </p:nvCxnSpPr>
+        <p:spPr>
+          <a:xfrm>
+            <a:off x="1679525" y="564175"/>
+            <a:ext cx="3359100" cy="65700"/>
+          </a:xfrm>
+          <a:prstGeom prst="straightConnector1">
+            <a:avLst/>
+          </a:prstGeom>
+          <a:noFill/>
+          <a:ln cap="flat" cmpd="sng" w="9525">
+            <a:solidFill>
+              <a:schemeClr val="dk2"/>
+            </a:solidFill>
+            <a:prstDash val="solid"/>
+            <a:round/>
+            <a:headEnd len="lg" w="lg" type="none"/>
+            <a:tailEnd len="lg" w="lg" type="triangle"/>
+          </a:ln>
+        </p:spPr>
+      </p:cxnSp>
+      <p:cxnSp>
+        <p:nvCxnSpPr>
+          <p:cNvPr id="148" name="Shape 148"/>
+          <p:cNvCxnSpPr/>
+          <p:nvPr/>
+        </p:nvCxnSpPr>
+        <p:spPr>
+          <a:xfrm flipH="1">
+            <a:off x="3083550" y="622275"/>
+            <a:ext cx="2230500" cy="1509000"/>
+          </a:xfrm>
+          <a:prstGeom prst="straightConnector1">
+            <a:avLst/>
+          </a:prstGeom>
+          <a:noFill/>
+          <a:ln cap="flat" cmpd="sng" w="9525">
+            <a:solidFill>
+              <a:schemeClr val="dk2"/>
+            </a:solidFill>
+            <a:prstDash val="solid"/>
+            <a:round/>
+            <a:headEnd len="lg" w="lg" type="none"/>
+            <a:tailEnd len="lg" w="lg" type="triangle"/>
+          </a:ln>
+        </p:spPr>
+      </p:cxnSp>
+      <p:cxnSp>
+        <p:nvCxnSpPr>
+          <p:cNvPr id="149" name="Shape 149"/>
+          <p:cNvCxnSpPr/>
+          <p:nvPr/>
+        </p:nvCxnSpPr>
+        <p:spPr>
+          <a:xfrm flipH="1">
+            <a:off x="3450975" y="682300"/>
+            <a:ext cx="1981200" cy="3018000"/>
+          </a:xfrm>
+          <a:prstGeom prst="straightConnector1">
+            <a:avLst/>
+          </a:prstGeom>
+          <a:noFill/>
+          <a:ln cap="flat" cmpd="sng" w="9525">
+            <a:solidFill>
+              <a:schemeClr val="dk2"/>
+            </a:solidFill>
+            <a:prstDash val="solid"/>
+            <a:round/>
+            <a:headEnd len="lg" w="lg" type="none"/>
+            <a:tailEnd len="lg" w="lg" type="triangle"/>
+          </a:ln>
+        </p:spPr>
+      </p:cxnSp>
+      <p:sp>
+        <p:nvSpPr>
+          <p:cNvPr id="150" name="Shape 150"/>
+          <p:cNvSpPr txBox="1"/>
+          <p:nvPr/>
+        </p:nvSpPr>
+        <p:spPr>
+          <a:xfrm>
+            <a:off x="80287" y="2041425"/>
+            <a:ext cx="4137900" cy="406800"/>
+          </a:xfrm>
+          <a:prstGeom prst="rect">
+            <a:avLst/>
+          </a:prstGeom>
+          <a:noFill/>
+          <a:ln>
+            <a:noFill/>
+          </a:ln>
+        </p:spPr>
+        <p:txBody>
+          <a:bodyPr anchorCtr="0" anchor="t" bIns="91425" lIns="91425" rIns="91425" tIns="91425">
+            <a:noAutofit/>
+          </a:bodyPr>
+          <a:lstStyle/>
+          <a:p>
+            <a:pPr lvl="0">
+              <a:spcBef>
+                <a:spcPts val="0"/>
+              </a:spcBef>
+              <a:buNone/>
+            </a:pPr>
+            <a:r>
+              <a:rPr lang="es"/>
+              <a:t>Metodo update dentro de VistaListaReproduccion</a:t>
+            </a:r>
+          </a:p>
+        </p:txBody>
+      </p:sp>
+      <p:cxnSp>
+        <p:nvCxnSpPr>
+          <p:cNvPr id="151" name="Shape 151"/>
+          <p:cNvCxnSpPr/>
+          <p:nvPr/>
+        </p:nvCxnSpPr>
+        <p:spPr>
+          <a:xfrm rot="10800000">
+            <a:off x="3148975" y="2860275"/>
+            <a:ext cx="1417200" cy="525000"/>
+          </a:xfrm>
+          <a:prstGeom prst="straightConnector1">
+            <a:avLst/>
+          </a:prstGeom>
+          <a:noFill/>
+          <a:ln cap="flat" cmpd="sng" w="9525">
+            <a:solidFill>
+              <a:schemeClr val="dk2"/>
+            </a:solidFill>
+            <a:prstDash val="solid"/>
+            <a:round/>
+            <a:headEnd len="lg" w="lg" type="none"/>
+            <a:tailEnd len="lg" w="lg" type="triangle"/>
+          </a:ln>
+        </p:spPr>
+      </p:cxnSp>
+      <p:cxnSp>
+        <p:nvCxnSpPr>
+          <p:cNvPr id="152" name="Shape 152"/>
+          <p:cNvCxnSpPr/>
+          <p:nvPr/>
+        </p:nvCxnSpPr>
+        <p:spPr>
+          <a:xfrm flipH="1">
+            <a:off x="3253950" y="3516475"/>
+            <a:ext cx="1417200" cy="708600"/>
+          </a:xfrm>
+          <a:prstGeom prst="straightConnector1">
+            <a:avLst/>
+          </a:prstGeom>
+          <a:noFill/>
+          <a:ln cap="flat" cmpd="sng" w="9525">
+            <a:solidFill>
+              <a:schemeClr val="dk2"/>
+            </a:solidFill>
+            <a:prstDash val="solid"/>
+            <a:round/>
+            <a:headEnd len="lg" w="lg" type="none"/>
+            <a:tailEnd len="lg" w="lg" type="triangle"/>
+          </a:ln>
+        </p:spPr>
+      </p:cxnSp>
+      <p:sp>
+        <p:nvSpPr>
+          <p:cNvPr id="153" name="Shape 153"/>
+          <p:cNvSpPr/>
+          <p:nvPr/>
+        </p:nvSpPr>
+        <p:spPr>
+          <a:xfrm>
+            <a:off x="27650" y="118100"/>
+            <a:ext cx="4243200" cy="1923300"/>
+          </a:xfrm>
+          <a:prstGeom prst="rect">
+            <a:avLst/>
+          </a:prstGeom>
+          <a:noFill/>
+          <a:ln cap="flat" cmpd="sng" w="19050">
+            <a:solidFill>
+              <a:srgbClr val="00FF00"/>
+            </a:solidFill>
+            <a:prstDash val="solid"/>
+            <a:round/>
+            <a:headEnd len="med" w="med" type="none"/>
+            <a:tailEnd len="med" w="med" type="none"/>
+          </a:ln>
+        </p:spPr>
+        <p:txBody>
+          <a:bodyPr anchorCtr="0" anchor="ctr" bIns="91425" lIns="91425" rIns="91425" tIns="91425">
+            <a:noAutofit/>
+          </a:bodyPr>
+          <a:lstStyle/>
+          <a:p>
+            <a:pPr lvl="0">
+              <a:spcBef>
+                <a:spcPts val="0"/>
+              </a:spcBef>
+              <a:buNone/>
+            </a:pPr>
+            <a:r>
+              <a:t/>
+            </a:r>
+            <a:endParaRPr/>
+          </a:p>
+        </p:txBody>
+      </p:sp>
     </p:spTree>
   </p:cSld>
   <p:clrMapOvr>
@@ -6322,7 +7282,7 @@
   <p:cSld>
     <p:spTree>
       <p:nvGrpSpPr>
-        <p:cNvPr id="164" name="Shape 164"/>
+        <p:cNvPr id="157" name="Shape 157"/>
         <p:cNvGrpSpPr/>
         <p:nvPr/>
       </p:nvGrpSpPr>
@@ -6336,7 +7296,7 @@
       </p:grpSpPr>
       <p:sp>
         <p:nvSpPr>
-          <p:cNvPr id="165" name="Shape 165"/>
+          <p:cNvPr id="158" name="Shape 158"/>
           <p:cNvSpPr txBox="1"/>
           <p:nvPr>
             <p:ph type="title"/>
@@ -6364,53 +7324,15 @@
               <a:buNone/>
             </a:pPr>
             <a:r>
-              <a:t/>
-            </a:r>
-            <a:endParaRPr/>
-          </a:p>
-        </p:txBody>
-      </p:sp>
-      <p:sp>
-        <p:nvSpPr>
-          <p:cNvPr id="166" name="Shape 166"/>
-          <p:cNvSpPr txBox="1"/>
-          <p:nvPr/>
-        </p:nvSpPr>
-        <p:spPr>
-          <a:xfrm rot="-586074">
-            <a:off x="198257" y="1158825"/>
-            <a:ext cx="2857525" cy="1003028"/>
-          </a:xfrm>
-          <a:prstGeom prst="rect">
-            <a:avLst/>
-          </a:prstGeom>
-          <a:noFill/>
-          <a:ln>
-            <a:noFill/>
-          </a:ln>
-        </p:spPr>
-        <p:txBody>
-          <a:bodyPr anchorCtr="0" anchor="t" bIns="91425" lIns="91425" rIns="91425" tIns="91425">
-            <a:noAutofit/>
-          </a:bodyPr>
-          <a:lstStyle/>
-          <a:p>
-            <a:pPr lvl="0" rtl="0">
-              <a:spcBef>
-                <a:spcPts val="0"/>
-              </a:spcBef>
-              <a:buNone/>
-            </a:pPr>
-            <a:r>
-              <a:rPr lang="es" sz="2400"/>
-              <a:t>Clase Observador</a:t>
+              <a:rPr lang="es"/>
+              <a:t>Cambio de Botones</a:t>
             </a:r>
           </a:p>
         </p:txBody>
       </p:sp>
       <p:pic>
         <p:nvPicPr>
-          <p:cNvPr id="167" name="Shape 167"/>
+          <p:cNvPr id="159" name="Shape 159"/>
           <p:cNvPicPr preferRelativeResize="0"/>
           <p:nvPr/>
         </p:nvPicPr>
@@ -6424,36 +7346,8 @@
         </p:blipFill>
         <p:spPr>
           <a:xfrm>
-            <a:off x="3242400" y="114750"/>
-            <a:ext cx="5769199" cy="3839099"/>
-          </a:xfrm>
-          <a:prstGeom prst="rect">
-            <a:avLst/>
-          </a:prstGeom>
-          <a:noFill/>
-          <a:ln>
-            <a:noFill/>
-          </a:ln>
-        </p:spPr>
-      </p:pic>
-      <p:pic>
-        <p:nvPicPr>
-          <p:cNvPr id="168" name="Shape 168"/>
-          <p:cNvPicPr preferRelativeResize="0"/>
-          <p:nvPr/>
-        </p:nvPicPr>
-        <p:blipFill>
-          <a:blip r:embed="rId4">
-            <a:alphaModFix/>
-          </a:blip>
-          <a:stretch>
-            <a:fillRect/>
-          </a:stretch>
-        </p:blipFill>
-        <p:spPr>
-          <a:xfrm>
-            <a:off x="4490350" y="3324025"/>
-            <a:ext cx="4342150" cy="1740624"/>
+            <a:off x="157450" y="923700"/>
+            <a:ext cx="4519549" cy="3366924"/>
           </a:xfrm>
           <a:prstGeom prst="rect">
             <a:avLst/>
@@ -6477,7 +7371,7 @@
   <p:cSld>
     <p:spTree>
       <p:nvGrpSpPr>
-        <p:cNvPr id="172" name="Shape 172"/>
+        <p:cNvPr id="163" name="Shape 163"/>
         <p:cNvGrpSpPr/>
         <p:nvPr/>
       </p:nvGrpSpPr>
@@ -6491,21 +7385,22 @@
       </p:grpSpPr>
       <p:pic>
         <p:nvPicPr>
-          <p:cNvPr descr="screenshot_20170624_154358.png" id="173" name="Shape 173"/>
+          <p:cNvPr id="164" name="Shape 164"/>
           <p:cNvPicPr preferRelativeResize="0"/>
           <p:nvPr/>
         </p:nvPicPr>
-        <p:blipFill rotWithShape="1">
+        <p:blipFill>
           <a:blip r:embed="rId3">
             <a:alphaModFix/>
           </a:blip>
-          <a:srcRect b="16768" l="0" r="0" t="16768"/>
-          <a:stretch/>
+          <a:stretch>
+            <a:fillRect/>
+          </a:stretch>
         </p:blipFill>
         <p:spPr>
           <a:xfrm>
-            <a:off x="200" y="0"/>
-            <a:ext cx="4572000" cy="5143500"/>
+            <a:off x="0" y="800600"/>
+            <a:ext cx="4552950" cy="2781300"/>
           </a:xfrm>
           <a:prstGeom prst="rect">
             <a:avLst/>
@@ -6516,22 +7411,200 @@
           </a:ln>
         </p:spPr>
       </p:pic>
-      <p:sp>
-        <p:nvSpPr>
-          <p:cNvPr id="174" name="Shape 174"/>
+      <p:pic>
+        <p:nvPicPr>
+          <p:cNvPr id="165" name="Shape 165"/>
+          <p:cNvPicPr preferRelativeResize="0"/>
+          <p:nvPr/>
+        </p:nvPicPr>
+        <p:blipFill>
+          <a:blip r:embed="rId4">
+            <a:alphaModFix/>
+          </a:blip>
+          <a:stretch>
+            <a:fillRect/>
+          </a:stretch>
+        </p:blipFill>
+        <p:spPr>
+          <a:xfrm>
+            <a:off x="4927612" y="451475"/>
+            <a:ext cx="3895725" cy="1905000"/>
+          </a:xfrm>
+          <a:prstGeom prst="rect">
+            <a:avLst/>
+          </a:prstGeom>
+          <a:noFill/>
+          <a:ln>
+            <a:noFill/>
+          </a:ln>
+        </p:spPr>
+      </p:pic>
+      <p:pic>
+        <p:nvPicPr>
+          <p:cNvPr id="166" name="Shape 166"/>
+          <p:cNvPicPr preferRelativeResize="0"/>
+          <p:nvPr/>
+        </p:nvPicPr>
+        <p:blipFill>
+          <a:blip r:embed="rId5">
+            <a:alphaModFix/>
+          </a:blip>
+          <a:stretch>
+            <a:fillRect/>
+          </a:stretch>
+        </p:blipFill>
+        <p:spPr>
+          <a:xfrm>
+            <a:off x="4164237" y="2719100"/>
+            <a:ext cx="3952875" cy="2914650"/>
+          </a:xfrm>
+          <a:prstGeom prst="rect">
+            <a:avLst/>
+          </a:prstGeom>
+          <a:noFill/>
+          <a:ln>
+            <a:noFill/>
+          </a:ln>
+        </p:spPr>
+      </p:pic>
+      <p:sp>
+        <p:nvSpPr>
+          <p:cNvPr id="167" name="Shape 167"/>
           <p:cNvSpPr txBox="1"/>
-          <p:nvPr>
-            <p:ph type="title"/>
-          </p:nvPr>
-        </p:nvSpPr>
-        <p:spPr>
-          <a:xfrm>
-            <a:off x="5172950" y="923700"/>
-            <a:ext cx="3370500" cy="3296100"/>
-          </a:xfrm>
-          <a:prstGeom prst="rect">
-            <a:avLst/>
-          </a:prstGeom>
+          <p:nvPr/>
+        </p:nvSpPr>
+        <p:spPr>
+          <a:xfrm>
+            <a:off x="5104125" y="2377987"/>
+            <a:ext cx="2939100" cy="341100"/>
+          </a:xfrm>
+          <a:prstGeom prst="rect">
+            <a:avLst/>
+          </a:prstGeom>
+          <a:noFill/>
+          <a:ln>
+            <a:noFill/>
+          </a:ln>
+        </p:spPr>
+        <p:txBody>
+          <a:bodyPr anchorCtr="0" anchor="t" bIns="91425" lIns="91425" rIns="91425" tIns="91425">
+            <a:noAutofit/>
+          </a:bodyPr>
+          <a:lstStyle/>
+          <a:p>
+            <a:pPr lvl="0">
+              <a:spcBef>
+                <a:spcPts val="0"/>
+              </a:spcBef>
+              <a:buNone/>
+            </a:pPr>
+            <a:r>
+              <a:rPr lang="es"/>
+              <a:t>Clases Vistas ( Ambas)</a:t>
+            </a:r>
+          </a:p>
+        </p:txBody>
+      </p:sp>
+      <p:sp>
+        <p:nvSpPr>
+          <p:cNvPr id="168" name="Shape 168"/>
+          <p:cNvSpPr txBox="1"/>
+          <p:nvPr/>
+        </p:nvSpPr>
+        <p:spPr>
+          <a:xfrm>
+            <a:off x="590450" y="275550"/>
+            <a:ext cx="2742300" cy="341100"/>
+          </a:xfrm>
+          <a:prstGeom prst="rect">
+            <a:avLst/>
+          </a:prstGeom>
+          <a:noFill/>
+          <a:ln>
+            <a:noFill/>
+          </a:ln>
+        </p:spPr>
+        <p:txBody>
+          <a:bodyPr anchorCtr="0" anchor="t" bIns="91425" lIns="91425" rIns="91425" tIns="91425">
+            <a:noAutofit/>
+          </a:bodyPr>
+          <a:lstStyle/>
+          <a:p>
+            <a:pPr lvl="0">
+              <a:spcBef>
+                <a:spcPts val="0"/>
+              </a:spcBef>
+              <a:buNone/>
+            </a:pPr>
+            <a:r>
+              <a:rPr lang="es"/>
+              <a:t>Clase Controlador</a:t>
+            </a:r>
+          </a:p>
+        </p:txBody>
+      </p:sp>
+      <p:sp>
+        <p:nvSpPr>
+          <p:cNvPr id="169" name="Shape 169"/>
+          <p:cNvSpPr txBox="1"/>
+          <p:nvPr/>
+        </p:nvSpPr>
+        <p:spPr>
+          <a:xfrm>
+            <a:off x="5602750" y="104975"/>
+            <a:ext cx="2939100" cy="223200"/>
+          </a:xfrm>
+          <a:prstGeom prst="rect">
+            <a:avLst/>
+          </a:prstGeom>
+          <a:noFill/>
+          <a:ln>
+            <a:noFill/>
+          </a:ln>
+        </p:spPr>
+        <p:txBody>
+          <a:bodyPr anchorCtr="0" anchor="t" bIns="91425" lIns="91425" rIns="91425" tIns="91425">
+            <a:noAutofit/>
+          </a:bodyPr>
+          <a:lstStyle/>
+          <a:p>
+            <a:pPr lvl="0">
+              <a:spcBef>
+                <a:spcPts val="0"/>
+              </a:spcBef>
+              <a:buNone/>
+            </a:pPr>
+            <a:r>
+              <a:rPr lang="es"/>
+              <a:t>Clase Observador</a:t>
+            </a:r>
+          </a:p>
+        </p:txBody>
+      </p:sp>
+      <p:sp>
+        <p:nvSpPr>
+          <p:cNvPr id="170" name="Shape 170"/>
+          <p:cNvSpPr/>
+          <p:nvPr/>
+        </p:nvSpPr>
+        <p:spPr>
+          <a:xfrm>
+            <a:off x="65600" y="104975"/>
+            <a:ext cx="4185600" cy="4434900"/>
+          </a:xfrm>
+          <a:prstGeom prst="rect">
+            <a:avLst/>
+          </a:prstGeom>
+          <a:noFill/>
+          <a:ln cap="flat" cmpd="sng" w="19050">
+            <a:solidFill>
+              <a:srgbClr val="FF0000"/>
+            </a:solidFill>
+            <a:prstDash val="solid"/>
+            <a:round/>
+            <a:headEnd len="med" w="med" type="none"/>
+            <a:tailEnd len="med" w="med" type="none"/>
+          </a:ln>
         </p:spPr>
         <p:txBody>
           <a:bodyPr anchorCtr="0" anchor="ctr" bIns="91425" lIns="91425" rIns="91425" tIns="91425">
@@ -6539,19 +7612,159 @@
           </a:bodyPr>
           <a:lstStyle/>
           <a:p>
-            <a:pPr lvl="0" rtl="0">
+            <a:pPr lvl="0">
               <a:spcBef>
                 <a:spcPts val="0"/>
               </a:spcBef>
               <a:buNone/>
             </a:pPr>
             <a:r>
-              <a:rPr lang="es"/>
-              <a:t>Errores Detectados</a:t>
+              <a:t/>
             </a:r>
+            <a:endParaRPr/>
           </a:p>
         </p:txBody>
       </p:sp>
+      <p:sp>
+        <p:nvSpPr>
+          <p:cNvPr id="171" name="Shape 171"/>
+          <p:cNvSpPr/>
+          <p:nvPr/>
+        </p:nvSpPr>
+        <p:spPr>
+          <a:xfrm>
+            <a:off x="4474325" y="52475"/>
+            <a:ext cx="4552800" cy="2304000"/>
+          </a:xfrm>
+          <a:prstGeom prst="rect">
+            <a:avLst/>
+          </a:prstGeom>
+          <a:noFill/>
+          <a:ln cap="flat" cmpd="sng" w="19050">
+            <a:solidFill>
+              <a:srgbClr val="F1C232"/>
+            </a:solidFill>
+            <a:prstDash val="solid"/>
+            <a:round/>
+            <a:headEnd len="med" w="med" type="none"/>
+            <a:tailEnd len="med" w="med" type="none"/>
+          </a:ln>
+        </p:spPr>
+        <p:txBody>
+          <a:bodyPr anchorCtr="0" anchor="ctr" bIns="91425" lIns="91425" rIns="91425" tIns="91425">
+            <a:noAutofit/>
+          </a:bodyPr>
+          <a:lstStyle/>
+          <a:p>
+            <a:pPr lvl="0">
+              <a:spcBef>
+                <a:spcPts val="0"/>
+              </a:spcBef>
+              <a:buNone/>
+            </a:pPr>
+            <a:r>
+              <a:t/>
+            </a:r>
+            <a:endParaRPr/>
+          </a:p>
+        </p:txBody>
+      </p:sp>
+      <p:sp>
+        <p:nvSpPr>
+          <p:cNvPr id="172" name="Shape 172"/>
+          <p:cNvSpPr/>
+          <p:nvPr/>
+        </p:nvSpPr>
+        <p:spPr>
+          <a:xfrm>
+            <a:off x="4356225" y="2440550"/>
+            <a:ext cx="4552800" cy="2637300"/>
+          </a:xfrm>
+          <a:prstGeom prst="rect">
+            <a:avLst/>
+          </a:prstGeom>
+          <a:noFill/>
+          <a:ln cap="flat" cmpd="sng" w="19050">
+            <a:solidFill>
+              <a:srgbClr val="9900FF"/>
+            </a:solidFill>
+            <a:prstDash val="solid"/>
+            <a:round/>
+            <a:headEnd len="med" w="med" type="none"/>
+            <a:tailEnd len="med" w="med" type="none"/>
+          </a:ln>
+        </p:spPr>
+        <p:txBody>
+          <a:bodyPr anchorCtr="0" anchor="ctr" bIns="91425" lIns="91425" rIns="91425" tIns="91425">
+            <a:noAutofit/>
+          </a:bodyPr>
+          <a:lstStyle/>
+          <a:p>
+            <a:pPr lvl="0">
+              <a:spcBef>
+                <a:spcPts val="0"/>
+              </a:spcBef>
+              <a:buNone/>
+            </a:pPr>
+            <a:r>
+              <a:t/>
+            </a:r>
+            <a:endParaRPr/>
+          </a:p>
+        </p:txBody>
+      </p:sp>
+      <p:cxnSp>
+        <p:nvCxnSpPr>
+          <p:cNvPr id="173" name="Shape 173"/>
+          <p:cNvCxnSpPr/>
+          <p:nvPr/>
+        </p:nvCxnSpPr>
+        <p:spPr>
+          <a:xfrm flipH="1" rot="10800000">
+            <a:off x="2821050" y="643050"/>
+            <a:ext cx="2073300" cy="682200"/>
+          </a:xfrm>
+          <a:prstGeom prst="straightConnector1">
+            <a:avLst/>
+          </a:prstGeom>
+          <a:noFill/>
+          <a:ln cap="flat" cmpd="sng" w="9525">
+            <a:solidFill>
+              <a:schemeClr val="dk2"/>
+            </a:solidFill>
+            <a:prstDash val="solid"/>
+            <a:round/>
+            <a:headEnd len="lg" w="lg" type="none"/>
+            <a:tailEnd len="lg" w="lg" type="triangle"/>
+          </a:ln>
+        </p:spPr>
+      </p:cxnSp>
+      <p:cxnSp>
+        <p:nvCxnSpPr>
+          <p:cNvPr id="174" name="Shape 174"/>
+          <p:cNvCxnSpPr/>
+          <p:nvPr/>
+        </p:nvCxnSpPr>
+        <p:spPr>
+          <a:xfrm flipH="1">
+            <a:off x="7229700" y="367400"/>
+            <a:ext cx="210000" cy="2296200"/>
+          </a:xfrm>
+          <a:prstGeom prst="straightConnector1">
+            <a:avLst/>
+          </a:prstGeom>
+          <a:noFill/>
+          <a:ln cap="flat" cmpd="sng" w="9525">
+            <a:solidFill>
+              <a:schemeClr val="dk2"/>
+            </a:solidFill>
+            <a:prstDash val="solid"/>
+            <a:round/>
+            <a:headEnd len="lg" w="lg" type="none"/>
+            <a:tailEnd len="lg" w="lg" type="triangle"/>
+          </a:ln>
+        </p:spPr>
+      </p:cxnSp>
     </p:spTree>
   </p:cSld>
   <p:clrMapOvr>
@@ -6600,16 +7813,16 @@
           </a:bodyPr>
           <a:lstStyle/>
           <a:p>
-            <a:pPr lvl="0">
+            <a:pPr lvl="0" rtl="0" algn="l">
               <a:spcBef>
                 <a:spcPts val="0"/>
               </a:spcBef>
               <a:buNone/>
             </a:pPr>
             <a:r>
-              <a:t/>
+              <a:rPr lang="es"/>
+              <a:t>		Singleton</a:t>
             </a:r>
-            <a:endParaRPr/>
           </a:p>
         </p:txBody>
       </p:sp>
@@ -6629,8 +7842,8 @@
         </p:blipFill>
         <p:spPr>
           <a:xfrm>
-            <a:off x="3440649" y="704374"/>
-            <a:ext cx="5589249" cy="3734749"/>
+            <a:off x="212750" y="1271275"/>
+            <a:ext cx="4471549" cy="760675"/>
           </a:xfrm>
           <a:prstGeom prst="rect">
             <a:avLst/>
@@ -6641,16 +7854,24 @@
           </a:ln>
         </p:spPr>
       </p:pic>
-      <p:sp>
-        <p:nvSpPr>
+      <p:pic>
+        <p:nvPicPr>
           <p:cNvPr id="181" name="Shape 181"/>
-          <p:cNvSpPr txBox="1"/>
+          <p:cNvPicPr preferRelativeResize="0"/>
           <p:nvPr/>
-        </p:nvSpPr>
-        <p:spPr>
-          <a:xfrm>
-            <a:off x="513175" y="396550"/>
-            <a:ext cx="2309400" cy="730200"/>
+        </p:nvPicPr>
+        <p:blipFill>
+          <a:blip r:embed="rId4">
+            <a:alphaModFix/>
+          </a:blip>
+          <a:stretch>
+            <a:fillRect/>
+          </a:stretch>
+        </p:blipFill>
+        <p:spPr>
+          <a:xfrm>
+            <a:off x="644000" y="2689655"/>
+            <a:ext cx="3834675" cy="1917325"/>
           </a:xfrm>
           <a:prstGeom prst="rect">
             <a:avLst/>
@@ -6658,6 +7879,32 @@
           <a:noFill/>
           <a:ln>
             <a:noFill/>
+          </a:ln>
+        </p:spPr>
+      </p:pic>
+      <p:sp>
+        <p:nvSpPr>
+          <p:cNvPr id="182" name="Shape 182"/>
+          <p:cNvSpPr txBox="1"/>
+          <p:nvPr/>
+        </p:nvSpPr>
+        <p:spPr>
+          <a:xfrm>
+            <a:off x="209950" y="1422925"/>
+            <a:ext cx="4471500" cy="186600"/>
+          </a:xfrm>
+          <a:prstGeom prst="rect">
+            <a:avLst/>
+          </a:prstGeom>
+          <a:noFill/>
+          <a:ln cap="flat" cmpd="sng" w="19050">
+            <a:solidFill>
+              <a:srgbClr val="FF0000"/>
+            </a:solidFill>
+            <a:prstDash val="solid"/>
+            <a:round/>
+            <a:headEnd len="med" w="med" type="none"/>
+            <a:tailEnd len="med" w="med" type="none"/>
           </a:ln>
         </p:spPr>
         <p:txBody>
@@ -6673,48 +7920,199 @@
               <a:buNone/>
             </a:pPr>
             <a:r>
-              <a:rPr lang="es" sz="1800"/>
-              <a:t>Si estamos en el modo aleatorio seleccionado</a:t>
+              <a:t/>
+            </a:r>
+            <a:endParaRPr/>
+          </a:p>
+        </p:txBody>
+      </p:sp>
+    </p:spTree>
+  </p:cSld>
+  <p:clrMapOvr>
+    <a:masterClrMapping/>
+  </p:clrMapOvr>
+</p:sld>
+</file>
+
+<file path=ppt/slides/slide16.xml><?xml version="1.0" encoding="utf-8"?>
+<p:sld xmlns:a="http://schemas.openxmlformats.org/drawingml/2006/main" xmlns:r="http://schemas.openxmlformats.org/officeDocument/2006/relationships" xmlns:mc="http://schemas.openxmlformats.org/markup-compatibility/2006" xmlns:mv="urn:schemas-microsoft-com:mac:vml" xmlns:p="http://schemas.openxmlformats.org/presentationml/2006/main" xmlns:c="http://schemas.openxmlformats.org/drawingml/2006/chart" xmlns:dgm="http://schemas.openxmlformats.org/drawingml/2006/diagram" xmlns:o="urn:schemas-microsoft-com:office:office" xmlns:v="urn:schemas-microsoft-com:vml" xmlns:pvml="urn:schemas-microsoft-com:office:powerpoint" xmlns:com="http://schemas.openxmlformats.org/drawingml/2006/compatibility" xmlns:p14="http://schemas.microsoft.com/office/powerpoint/2010/main">
+  <p:cSld>
+    <p:spTree>
+      <p:nvGrpSpPr>
+        <p:cNvPr id="186" name="Shape 186"/>
+        <p:cNvGrpSpPr/>
+        <p:nvPr/>
+      </p:nvGrpSpPr>
+      <p:grpSpPr>
+        <a:xfrm>
+          <a:off x="0" y="0"/>
+          <a:ext cx="0" cy="0"/>
+          <a:chOff x="0" y="0"/>
+          <a:chExt cx="0" cy="0"/>
+        </a:xfrm>
+      </p:grpSpPr>
+      <p:pic>
+        <p:nvPicPr>
+          <p:cNvPr descr="screenshot_20170624_154358.png" id="187" name="Shape 187"/>
+          <p:cNvPicPr preferRelativeResize="0"/>
+          <p:nvPr/>
+        </p:nvPicPr>
+        <p:blipFill rotWithShape="1">
+          <a:blip r:embed="rId3">
+            <a:alphaModFix/>
+          </a:blip>
+          <a:srcRect b="16768" l="0" r="0" t="16768"/>
+          <a:stretch/>
+        </p:blipFill>
+        <p:spPr>
+          <a:xfrm>
+            <a:off x="200" y="0"/>
+            <a:ext cx="4572000" cy="5143500"/>
+          </a:xfrm>
+          <a:prstGeom prst="rect">
+            <a:avLst/>
+          </a:prstGeom>
+          <a:noFill/>
+          <a:ln>
+            <a:noFill/>
+          </a:ln>
+        </p:spPr>
+      </p:pic>
+      <p:sp>
+        <p:nvSpPr>
+          <p:cNvPr id="188" name="Shape 188"/>
+          <p:cNvSpPr txBox="1"/>
+          <p:nvPr>
+            <p:ph type="title"/>
+          </p:nvPr>
+        </p:nvSpPr>
+        <p:spPr>
+          <a:xfrm>
+            <a:off x="5172950" y="923700"/>
+            <a:ext cx="3370500" cy="3296100"/>
+          </a:xfrm>
+          <a:prstGeom prst="rect">
+            <a:avLst/>
+          </a:prstGeom>
+        </p:spPr>
+        <p:txBody>
+          <a:bodyPr anchorCtr="0" anchor="ctr" bIns="91425" lIns="91425" rIns="91425" tIns="91425">
+            <a:noAutofit/>
+          </a:bodyPr>
+          <a:lstStyle/>
+          <a:p>
+            <a:pPr lvl="0" rtl="0">
+              <a:spcBef>
+                <a:spcPts val="0"/>
+              </a:spcBef>
+              <a:buNone/>
+            </a:pPr>
+            <a:r>
+              <a:rPr lang="es"/>
+              <a:t>Test</a:t>
             </a:r>
           </a:p>
         </p:txBody>
       </p:sp>
-      <p:cxnSp>
-        <p:nvCxnSpPr>
-          <p:cNvPr id="182" name="Shape 182"/>
-          <p:cNvCxnSpPr/>
+    </p:spTree>
+  </p:cSld>
+  <p:clrMapOvr>
+    <a:masterClrMapping/>
+  </p:clrMapOvr>
+</p:sld>
+</file>
+
+<file path=ppt/slides/slide17.xml><?xml version="1.0" encoding="utf-8"?>
+<p:sld xmlns:a="http://schemas.openxmlformats.org/drawingml/2006/main" xmlns:r="http://schemas.openxmlformats.org/officeDocument/2006/relationships" xmlns:mc="http://schemas.openxmlformats.org/markup-compatibility/2006" xmlns:mv="urn:schemas-microsoft-com:mac:vml" xmlns:p="http://schemas.openxmlformats.org/presentationml/2006/main" xmlns:c="http://schemas.openxmlformats.org/drawingml/2006/chart" xmlns:dgm="http://schemas.openxmlformats.org/drawingml/2006/diagram" xmlns:o="urn:schemas-microsoft-com:office:office" xmlns:v="urn:schemas-microsoft-com:vml" xmlns:pvml="urn:schemas-microsoft-com:office:powerpoint" xmlns:com="http://schemas.openxmlformats.org/drawingml/2006/compatibility" xmlns:p14="http://schemas.microsoft.com/office/powerpoint/2010/main">
+  <p:cSld>
+    <p:spTree>
+      <p:nvGrpSpPr>
+        <p:cNvPr id="192" name="Shape 192"/>
+        <p:cNvGrpSpPr/>
+        <p:nvPr/>
+      </p:nvGrpSpPr>
+      <p:grpSpPr>
+        <a:xfrm>
+          <a:off x="0" y="0"/>
+          <a:ext cx="0" cy="0"/>
+          <a:chOff x="0" y="0"/>
+          <a:chExt cx="0" cy="0"/>
+        </a:xfrm>
+      </p:grpSpPr>
+      <p:sp>
+        <p:nvSpPr>
+          <p:cNvPr id="193" name="Shape 193"/>
+          <p:cNvSpPr txBox="1"/>
+          <p:nvPr>
+            <p:ph type="title"/>
+          </p:nvPr>
+        </p:nvSpPr>
+        <p:spPr>
+          <a:xfrm>
+            <a:off x="5172950" y="923700"/>
+            <a:ext cx="3370500" cy="3296100"/>
+          </a:xfrm>
+          <a:prstGeom prst="rect">
+            <a:avLst/>
+          </a:prstGeom>
+        </p:spPr>
+        <p:txBody>
+          <a:bodyPr anchorCtr="0" anchor="ctr" bIns="91425" lIns="91425" rIns="91425" tIns="91425">
+            <a:noAutofit/>
+          </a:bodyPr>
+          <a:lstStyle/>
+          <a:p>
+            <a:pPr lvl="0" rtl="0">
+              <a:spcBef>
+                <a:spcPts val="0"/>
+              </a:spcBef>
+              <a:buNone/>
+            </a:pPr>
+            <a:r>
+              <a:t/>
+            </a:r>
+            <a:endParaRPr/>
+          </a:p>
+        </p:txBody>
+      </p:sp>
+      <p:pic>
+        <p:nvPicPr>
+          <p:cNvPr id="194" name="Shape 194"/>
+          <p:cNvPicPr preferRelativeResize="0"/>
           <p:nvPr/>
-        </p:nvCxnSpPr>
-        <p:spPr>
-          <a:xfrm>
-            <a:off x="2239350" y="1126750"/>
-            <a:ext cx="5446800" cy="2850300"/>
-          </a:xfrm>
-          <a:prstGeom prst="straightConnector1">
+        </p:nvPicPr>
+        <p:blipFill>
+          <a:blip r:embed="rId3">
+            <a:alphaModFix/>
+          </a:blip>
+          <a:stretch>
+            <a:fillRect/>
+          </a:stretch>
+        </p:blipFill>
+        <p:spPr>
+          <a:xfrm>
+            <a:off x="3335725" y="55150"/>
+            <a:ext cx="5699950" cy="5033200"/>
+          </a:xfrm>
+          <a:prstGeom prst="rect">
             <a:avLst/>
           </a:prstGeom>
           <a:noFill/>
-          <a:ln cap="flat" cmpd="sng" w="9525">
-            <a:solidFill>
-              <a:srgbClr val="000000"/>
-            </a:solidFill>
-            <a:prstDash val="solid"/>
-            <a:round/>
-            <a:headEnd len="lg" w="lg" type="none"/>
-            <a:tailEnd len="lg" w="lg" type="triangle"/>
+          <a:ln>
+            <a:noFill/>
           </a:ln>
         </p:spPr>
-      </p:cxnSp>
-      <p:sp>
-        <p:nvSpPr>
-          <p:cNvPr id="183" name="Shape 183"/>
+      </p:pic>
+      <p:sp>
+        <p:nvSpPr>
+          <p:cNvPr id="195" name="Shape 195"/>
           <p:cNvSpPr txBox="1"/>
           <p:nvPr/>
         </p:nvSpPr>
         <p:spPr>
-          <a:xfrm>
-            <a:off x="513175" y="2169375"/>
-            <a:ext cx="2122800" cy="1038000"/>
+          <a:xfrm rot="-586074">
+            <a:off x="244907" y="349875"/>
+            <a:ext cx="2857525" cy="1003028"/>
           </a:xfrm>
           <a:prstGeom prst="rect">
             <a:avLst/>
@@ -6737,40 +8135,283 @@
               <a:buNone/>
             </a:pPr>
             <a:r>
-              <a:rPr lang="es" sz="1800"/>
-              <a:t>Y presionamos cambiar de cancion lo hace de forma no aleatoria</a:t>
+              <a:rPr lang="es" sz="2400"/>
+              <a:t>Clase Modelo</a:t>
             </a:r>
           </a:p>
         </p:txBody>
       </p:sp>
-      <p:cxnSp>
-        <p:nvCxnSpPr>
-          <p:cNvPr id="184" name="Shape 184"/>
-          <p:cNvCxnSpPr>
-            <a:stCxn id="183" idx="3"/>
-          </p:cNvCxnSpPr>
+      <p:pic>
+        <p:nvPicPr>
+          <p:cNvPr id="196" name="Shape 196"/>
+          <p:cNvPicPr preferRelativeResize="0"/>
           <p:nvPr/>
-        </p:nvCxnSpPr>
-        <p:spPr>
-          <a:xfrm>
-            <a:off x="2635975" y="2688375"/>
-            <a:ext cx="4023900" cy="1323900"/>
-          </a:xfrm>
-          <a:prstGeom prst="straightConnector1">
+        </p:nvPicPr>
+        <p:blipFill>
+          <a:blip r:embed="rId4">
+            <a:alphaModFix/>
+          </a:blip>
+          <a:stretch>
+            <a:fillRect/>
+          </a:stretch>
+        </p:blipFill>
+        <p:spPr>
+          <a:xfrm rot="-487323">
+            <a:off x="110607" y="2036540"/>
+            <a:ext cx="3382909" cy="1805944"/>
+          </a:xfrm>
+          <a:prstGeom prst="rect">
             <a:avLst/>
           </a:prstGeom>
           <a:noFill/>
-          <a:ln cap="flat" cmpd="sng" w="9525">
-            <a:solidFill>
-              <a:srgbClr val="000000"/>
-            </a:solidFill>
-            <a:prstDash val="solid"/>
-            <a:round/>
-            <a:headEnd len="lg" w="lg" type="none"/>
-            <a:tailEnd len="lg" w="lg" type="triangle"/>
+          <a:ln>
+            <a:noFill/>
           </a:ln>
         </p:spPr>
-      </p:cxnSp>
+      </p:pic>
+    </p:spTree>
+  </p:cSld>
+  <p:clrMapOvr>
+    <a:masterClrMapping/>
+  </p:clrMapOvr>
+</p:sld>
+</file>
+
+<file path=ppt/slides/slide18.xml><?xml version="1.0" encoding="utf-8"?>
+<p:sld xmlns:a="http://schemas.openxmlformats.org/drawingml/2006/main" xmlns:r="http://schemas.openxmlformats.org/officeDocument/2006/relationships" xmlns:mc="http://schemas.openxmlformats.org/markup-compatibility/2006" xmlns:mv="urn:schemas-microsoft-com:mac:vml" xmlns:p="http://schemas.openxmlformats.org/presentationml/2006/main" xmlns:c="http://schemas.openxmlformats.org/drawingml/2006/chart" xmlns:dgm="http://schemas.openxmlformats.org/drawingml/2006/diagram" xmlns:o="urn:schemas-microsoft-com:office:office" xmlns:v="urn:schemas-microsoft-com:vml" xmlns:pvml="urn:schemas-microsoft-com:office:powerpoint" xmlns:com="http://schemas.openxmlformats.org/drawingml/2006/compatibility" xmlns:p14="http://schemas.microsoft.com/office/powerpoint/2010/main">
+  <p:cSld>
+    <p:spTree>
+      <p:nvGrpSpPr>
+        <p:cNvPr id="200" name="Shape 200"/>
+        <p:cNvGrpSpPr/>
+        <p:nvPr/>
+      </p:nvGrpSpPr>
+      <p:grpSpPr>
+        <a:xfrm>
+          <a:off x="0" y="0"/>
+          <a:ext cx="0" cy="0"/>
+          <a:chOff x="0" y="0"/>
+          <a:chExt cx="0" cy="0"/>
+        </a:xfrm>
+      </p:grpSpPr>
+      <p:sp>
+        <p:nvSpPr>
+          <p:cNvPr id="201" name="Shape 201"/>
+          <p:cNvSpPr txBox="1"/>
+          <p:nvPr>
+            <p:ph type="title"/>
+          </p:nvPr>
+        </p:nvSpPr>
+        <p:spPr>
+          <a:xfrm>
+            <a:off x="5172950" y="923700"/>
+            <a:ext cx="3370500" cy="3296100"/>
+          </a:xfrm>
+          <a:prstGeom prst="rect">
+            <a:avLst/>
+          </a:prstGeom>
+        </p:spPr>
+        <p:txBody>
+          <a:bodyPr anchorCtr="0" anchor="ctr" bIns="91425" lIns="91425" rIns="91425" tIns="91425">
+            <a:noAutofit/>
+          </a:bodyPr>
+          <a:lstStyle/>
+          <a:p>
+            <a:pPr lvl="0" rtl="0">
+              <a:spcBef>
+                <a:spcPts val="0"/>
+              </a:spcBef>
+              <a:buNone/>
+            </a:pPr>
+            <a:r>
+              <a:t/>
+            </a:r>
+            <a:endParaRPr/>
+          </a:p>
+        </p:txBody>
+      </p:sp>
+      <p:sp>
+        <p:nvSpPr>
+          <p:cNvPr id="202" name="Shape 202"/>
+          <p:cNvSpPr txBox="1"/>
+          <p:nvPr/>
+        </p:nvSpPr>
+        <p:spPr>
+          <a:xfrm rot="-586074">
+            <a:off x="198257" y="1158825"/>
+            <a:ext cx="2857525" cy="1003028"/>
+          </a:xfrm>
+          <a:prstGeom prst="rect">
+            <a:avLst/>
+          </a:prstGeom>
+          <a:noFill/>
+          <a:ln>
+            <a:noFill/>
+          </a:ln>
+        </p:spPr>
+        <p:txBody>
+          <a:bodyPr anchorCtr="0" anchor="t" bIns="91425" lIns="91425" rIns="91425" tIns="91425">
+            <a:noAutofit/>
+          </a:bodyPr>
+          <a:lstStyle/>
+          <a:p>
+            <a:pPr lvl="0" rtl="0">
+              <a:spcBef>
+                <a:spcPts val="0"/>
+              </a:spcBef>
+              <a:buNone/>
+            </a:pPr>
+            <a:r>
+              <a:rPr lang="es" sz="2400"/>
+              <a:t>Clase Observador</a:t>
+            </a:r>
+          </a:p>
+        </p:txBody>
+      </p:sp>
+      <p:pic>
+        <p:nvPicPr>
+          <p:cNvPr id="203" name="Shape 203"/>
+          <p:cNvPicPr preferRelativeResize="0"/>
+          <p:nvPr/>
+        </p:nvPicPr>
+        <p:blipFill>
+          <a:blip r:embed="rId3">
+            <a:alphaModFix/>
+          </a:blip>
+          <a:stretch>
+            <a:fillRect/>
+          </a:stretch>
+        </p:blipFill>
+        <p:spPr>
+          <a:xfrm>
+            <a:off x="3242400" y="114750"/>
+            <a:ext cx="5769199" cy="3839099"/>
+          </a:xfrm>
+          <a:prstGeom prst="rect">
+            <a:avLst/>
+          </a:prstGeom>
+          <a:noFill/>
+          <a:ln>
+            <a:noFill/>
+          </a:ln>
+        </p:spPr>
+      </p:pic>
+      <p:pic>
+        <p:nvPicPr>
+          <p:cNvPr id="204" name="Shape 204"/>
+          <p:cNvPicPr preferRelativeResize="0"/>
+          <p:nvPr/>
+        </p:nvPicPr>
+        <p:blipFill>
+          <a:blip r:embed="rId4">
+            <a:alphaModFix/>
+          </a:blip>
+          <a:stretch>
+            <a:fillRect/>
+          </a:stretch>
+        </p:blipFill>
+        <p:spPr>
+          <a:xfrm>
+            <a:off x="4490350" y="3324025"/>
+            <a:ext cx="4342150" cy="1740624"/>
+          </a:xfrm>
+          <a:prstGeom prst="rect">
+            <a:avLst/>
+          </a:prstGeom>
+          <a:noFill/>
+          <a:ln>
+            <a:noFill/>
+          </a:ln>
+        </p:spPr>
+      </p:pic>
+    </p:spTree>
+  </p:cSld>
+  <p:clrMapOvr>
+    <a:masterClrMapping/>
+  </p:clrMapOvr>
+</p:sld>
+</file>
+
+<file path=ppt/slides/slide19.xml><?xml version="1.0" encoding="utf-8"?>
+<p:sld xmlns:a="http://schemas.openxmlformats.org/drawingml/2006/main" xmlns:r="http://schemas.openxmlformats.org/officeDocument/2006/relationships" xmlns:mc="http://schemas.openxmlformats.org/markup-compatibility/2006" xmlns:mv="urn:schemas-microsoft-com:mac:vml" xmlns:p="http://schemas.openxmlformats.org/presentationml/2006/main" xmlns:c="http://schemas.openxmlformats.org/drawingml/2006/chart" xmlns:dgm="http://schemas.openxmlformats.org/drawingml/2006/diagram" xmlns:o="urn:schemas-microsoft-com:office:office" xmlns:v="urn:schemas-microsoft-com:vml" xmlns:pvml="urn:schemas-microsoft-com:office:powerpoint" xmlns:com="http://schemas.openxmlformats.org/drawingml/2006/compatibility" xmlns:p14="http://schemas.microsoft.com/office/powerpoint/2010/main">
+  <p:cSld>
+    <p:spTree>
+      <p:nvGrpSpPr>
+        <p:cNvPr id="208" name="Shape 208"/>
+        <p:cNvGrpSpPr/>
+        <p:nvPr/>
+      </p:nvGrpSpPr>
+      <p:grpSpPr>
+        <a:xfrm>
+          <a:off x="0" y="0"/>
+          <a:ext cx="0" cy="0"/>
+          <a:chOff x="0" y="0"/>
+          <a:chExt cx="0" cy="0"/>
+        </a:xfrm>
+      </p:grpSpPr>
+      <p:pic>
+        <p:nvPicPr>
+          <p:cNvPr descr="screenshot_20170624_154358.png" id="209" name="Shape 209"/>
+          <p:cNvPicPr preferRelativeResize="0"/>
+          <p:nvPr/>
+        </p:nvPicPr>
+        <p:blipFill rotWithShape="1">
+          <a:blip r:embed="rId3">
+            <a:alphaModFix/>
+          </a:blip>
+          <a:srcRect b="16768" l="0" r="0" t="16768"/>
+          <a:stretch/>
+        </p:blipFill>
+        <p:spPr>
+          <a:xfrm>
+            <a:off x="200" y="0"/>
+            <a:ext cx="4572000" cy="5143500"/>
+          </a:xfrm>
+          <a:prstGeom prst="rect">
+            <a:avLst/>
+          </a:prstGeom>
+          <a:noFill/>
+          <a:ln>
+            <a:noFill/>
+          </a:ln>
+        </p:spPr>
+      </p:pic>
+      <p:sp>
+        <p:nvSpPr>
+          <p:cNvPr id="210" name="Shape 210"/>
+          <p:cNvSpPr txBox="1"/>
+          <p:nvPr>
+            <p:ph type="title"/>
+          </p:nvPr>
+        </p:nvSpPr>
+        <p:spPr>
+          <a:xfrm>
+            <a:off x="5172950" y="923700"/>
+            <a:ext cx="3370500" cy="3296100"/>
+          </a:xfrm>
+          <a:prstGeom prst="rect">
+            <a:avLst/>
+          </a:prstGeom>
+        </p:spPr>
+        <p:txBody>
+          <a:bodyPr anchorCtr="0" anchor="ctr" bIns="91425" lIns="91425" rIns="91425" tIns="91425">
+            <a:noAutofit/>
+          </a:bodyPr>
+          <a:lstStyle/>
+          <a:p>
+            <a:pPr lvl="0" rtl="0">
+              <a:spcBef>
+                <a:spcPts val="0"/>
+              </a:spcBef>
+              <a:buNone/>
+            </a:pPr>
+            <a:r>
+              <a:rPr lang="es"/>
+              <a:t>Errores Detectados</a:t>
+            </a:r>
+          </a:p>
+        </p:txBody>
+      </p:sp>
     </p:spTree>
   </p:cSld>
   <p:clrMapOvr>
@@ -6878,6 +8519,225 @@
 </p:sld>
 </file>
 
+<file path=ppt/slides/slide20.xml><?xml version="1.0" encoding="utf-8"?>
+<p:sld xmlns:a="http://schemas.openxmlformats.org/drawingml/2006/main" xmlns:r="http://schemas.openxmlformats.org/officeDocument/2006/relationships" xmlns:mc="http://schemas.openxmlformats.org/markup-compatibility/2006" xmlns:mv="urn:schemas-microsoft-com:mac:vml" xmlns:p="http://schemas.openxmlformats.org/presentationml/2006/main" xmlns:c="http://schemas.openxmlformats.org/drawingml/2006/chart" xmlns:dgm="http://schemas.openxmlformats.org/drawingml/2006/diagram" xmlns:o="urn:schemas-microsoft-com:office:office" xmlns:v="urn:schemas-microsoft-com:vml" xmlns:pvml="urn:schemas-microsoft-com:office:powerpoint" xmlns:com="http://schemas.openxmlformats.org/drawingml/2006/compatibility" xmlns:p14="http://schemas.microsoft.com/office/powerpoint/2010/main">
+  <p:cSld>
+    <p:spTree>
+      <p:nvGrpSpPr>
+        <p:cNvPr id="214" name="Shape 214"/>
+        <p:cNvGrpSpPr/>
+        <p:nvPr/>
+      </p:nvGrpSpPr>
+      <p:grpSpPr>
+        <a:xfrm>
+          <a:off x="0" y="0"/>
+          <a:ext cx="0" cy="0"/>
+          <a:chOff x="0" y="0"/>
+          <a:chExt cx="0" cy="0"/>
+        </a:xfrm>
+      </p:grpSpPr>
+      <p:sp>
+        <p:nvSpPr>
+          <p:cNvPr id="215" name="Shape 215"/>
+          <p:cNvSpPr txBox="1"/>
+          <p:nvPr>
+            <p:ph type="title"/>
+          </p:nvPr>
+        </p:nvSpPr>
+        <p:spPr>
+          <a:xfrm>
+            <a:off x="5172950" y="923700"/>
+            <a:ext cx="3370500" cy="3296100"/>
+          </a:xfrm>
+          <a:prstGeom prst="rect">
+            <a:avLst/>
+          </a:prstGeom>
+        </p:spPr>
+        <p:txBody>
+          <a:bodyPr anchorCtr="0" anchor="ctr" bIns="91425" lIns="91425" rIns="91425" tIns="91425">
+            <a:noAutofit/>
+          </a:bodyPr>
+          <a:lstStyle/>
+          <a:p>
+            <a:pPr lvl="0">
+              <a:spcBef>
+                <a:spcPts val="0"/>
+              </a:spcBef>
+              <a:buNone/>
+            </a:pPr>
+            <a:r>
+              <a:t/>
+            </a:r>
+            <a:endParaRPr/>
+          </a:p>
+        </p:txBody>
+      </p:sp>
+      <p:pic>
+        <p:nvPicPr>
+          <p:cNvPr id="216" name="Shape 216"/>
+          <p:cNvPicPr preferRelativeResize="0"/>
+          <p:nvPr/>
+        </p:nvPicPr>
+        <p:blipFill>
+          <a:blip r:embed="rId3">
+            <a:alphaModFix/>
+          </a:blip>
+          <a:stretch>
+            <a:fillRect/>
+          </a:stretch>
+        </p:blipFill>
+        <p:spPr>
+          <a:xfrm>
+            <a:off x="3440649" y="704374"/>
+            <a:ext cx="5589249" cy="3734749"/>
+          </a:xfrm>
+          <a:prstGeom prst="rect">
+            <a:avLst/>
+          </a:prstGeom>
+          <a:noFill/>
+          <a:ln>
+            <a:noFill/>
+          </a:ln>
+        </p:spPr>
+      </p:pic>
+      <p:sp>
+        <p:nvSpPr>
+          <p:cNvPr id="217" name="Shape 217"/>
+          <p:cNvSpPr txBox="1"/>
+          <p:nvPr/>
+        </p:nvSpPr>
+        <p:spPr>
+          <a:xfrm>
+            <a:off x="513175" y="396550"/>
+            <a:ext cx="2309400" cy="730200"/>
+          </a:xfrm>
+          <a:prstGeom prst="rect">
+            <a:avLst/>
+          </a:prstGeom>
+          <a:noFill/>
+          <a:ln>
+            <a:noFill/>
+          </a:ln>
+        </p:spPr>
+        <p:txBody>
+          <a:bodyPr anchorCtr="0" anchor="t" bIns="91425" lIns="91425" rIns="91425" tIns="91425">
+            <a:noAutofit/>
+          </a:bodyPr>
+          <a:lstStyle/>
+          <a:p>
+            <a:pPr lvl="0">
+              <a:spcBef>
+                <a:spcPts val="0"/>
+              </a:spcBef>
+              <a:buNone/>
+            </a:pPr>
+            <a:r>
+              <a:rPr lang="es" sz="1800"/>
+              <a:t>Si estamos en el modo aleatorio seleccionado</a:t>
+            </a:r>
+          </a:p>
+        </p:txBody>
+      </p:sp>
+      <p:cxnSp>
+        <p:nvCxnSpPr>
+          <p:cNvPr id="218" name="Shape 218"/>
+          <p:cNvCxnSpPr/>
+          <p:nvPr/>
+        </p:nvCxnSpPr>
+        <p:spPr>
+          <a:xfrm>
+            <a:off x="2239350" y="1126750"/>
+            <a:ext cx="5446800" cy="2850300"/>
+          </a:xfrm>
+          <a:prstGeom prst="straightConnector1">
+            <a:avLst/>
+          </a:prstGeom>
+          <a:noFill/>
+          <a:ln cap="flat" cmpd="sng" w="9525">
+            <a:solidFill>
+              <a:srgbClr val="000000"/>
+            </a:solidFill>
+            <a:prstDash val="solid"/>
+            <a:round/>
+            <a:headEnd len="lg" w="lg" type="none"/>
+            <a:tailEnd len="lg" w="lg" type="triangle"/>
+          </a:ln>
+        </p:spPr>
+      </p:cxnSp>
+      <p:sp>
+        <p:nvSpPr>
+          <p:cNvPr id="219" name="Shape 219"/>
+          <p:cNvSpPr txBox="1"/>
+          <p:nvPr/>
+        </p:nvSpPr>
+        <p:spPr>
+          <a:xfrm>
+            <a:off x="513175" y="2169375"/>
+            <a:ext cx="2122800" cy="1038000"/>
+          </a:xfrm>
+          <a:prstGeom prst="rect">
+            <a:avLst/>
+          </a:prstGeom>
+          <a:noFill/>
+          <a:ln>
+            <a:noFill/>
+          </a:ln>
+        </p:spPr>
+        <p:txBody>
+          <a:bodyPr anchorCtr="0" anchor="t" bIns="91425" lIns="91425" rIns="91425" tIns="91425">
+            <a:noAutofit/>
+          </a:bodyPr>
+          <a:lstStyle/>
+          <a:p>
+            <a:pPr lvl="0">
+              <a:spcBef>
+                <a:spcPts val="0"/>
+              </a:spcBef>
+              <a:buNone/>
+            </a:pPr>
+            <a:r>
+              <a:rPr lang="es" sz="1800"/>
+              <a:t>Y presionamos cambiar de cancion lo hace de forma no aleatoria</a:t>
+            </a:r>
+          </a:p>
+        </p:txBody>
+      </p:sp>
+      <p:cxnSp>
+        <p:nvCxnSpPr>
+          <p:cNvPr id="220" name="Shape 220"/>
+          <p:cNvCxnSpPr>
+            <a:stCxn id="219" idx="3"/>
+          </p:cNvCxnSpPr>
+          <p:nvPr/>
+        </p:nvCxnSpPr>
+        <p:spPr>
+          <a:xfrm>
+            <a:off x="2635975" y="2688375"/>
+            <a:ext cx="4023900" cy="1323900"/>
+          </a:xfrm>
+          <a:prstGeom prst="straightConnector1">
+            <a:avLst/>
+          </a:prstGeom>
+          <a:noFill/>
+          <a:ln cap="flat" cmpd="sng" w="9525">
+            <a:solidFill>
+              <a:srgbClr val="000000"/>
+            </a:solidFill>
+            <a:prstDash val="solid"/>
+            <a:round/>
+            <a:headEnd len="lg" w="lg" type="none"/>
+            <a:tailEnd len="lg" w="lg" type="triangle"/>
+          </a:ln>
+        </p:spPr>
+      </p:cxnSp>
+    </p:spTree>
+  </p:cSld>
+  <p:clrMapOvr>
+    <a:masterClrMapping/>
+  </p:clrMapOvr>
+</p:sld>
+</file>
+
 <file path=ppt/slides/slide3.xml><?xml version="1.0" encoding="utf-8"?>
 <p:sld xmlns:a="http://schemas.openxmlformats.org/drawingml/2006/main" xmlns:r="http://schemas.openxmlformats.org/officeDocument/2006/relationships" xmlns:mc="http://schemas.openxmlformats.org/markup-compatibility/2006" xmlns:mv="urn:schemas-microsoft-com:mac:vml" xmlns:p="http://schemas.openxmlformats.org/presentationml/2006/main" xmlns:c="http://schemas.openxmlformats.org/drawingml/2006/chart" xmlns:dgm="http://schemas.openxmlformats.org/drawingml/2006/diagram" xmlns:o="urn:schemas-microsoft-com:office:office" xmlns:v="urn:schemas-microsoft-com:vml" xmlns:pvml="urn:schemas-microsoft-com:office:powerpoint" xmlns:com="http://schemas.openxmlformats.org/drawingml/2006/compatibility" xmlns:p14="http://schemas.microsoft.com/office/powerpoint/2010/main">
   <p:cSld>
@@ -7026,24 +8886,59 @@
           <a:chExt cx="0" cy="0"/>
         </a:xfrm>
       </p:grpSpPr>
+      <p:sp>
+        <p:nvSpPr>
+          <p:cNvPr id="87" name="Shape 87"/>
+          <p:cNvSpPr txBox="1"/>
+          <p:nvPr>
+            <p:ph type="title"/>
+          </p:nvPr>
+        </p:nvSpPr>
+        <p:spPr>
+          <a:xfrm>
+            <a:off x="5172950" y="923700"/>
+            <a:ext cx="3370500" cy="3296100"/>
+          </a:xfrm>
+          <a:prstGeom prst="rect">
+            <a:avLst/>
+          </a:prstGeom>
+        </p:spPr>
+        <p:txBody>
+          <a:bodyPr anchorCtr="0" anchor="ctr" bIns="91425" lIns="91425" rIns="91425" tIns="91425">
+            <a:noAutofit/>
+          </a:bodyPr>
+          <a:lstStyle/>
+          <a:p>
+            <a:pPr lvl="0">
+              <a:spcBef>
+                <a:spcPts val="0"/>
+              </a:spcBef>
+              <a:buNone/>
+            </a:pPr>
+            <a:r>
+              <a:rPr lang="es"/>
+              <a:t>Diagramas </a:t>
+            </a:r>
+          </a:p>
+        </p:txBody>
+      </p:sp>
       <p:pic>
         <p:nvPicPr>
-          <p:cNvPr id="87" name="Shape 87"/>
+          <p:cNvPr descr="screenshot_20170624_154358.png" id="88" name="Shape 88"/>
           <p:cNvPicPr preferRelativeResize="0"/>
           <p:nvPr/>
         </p:nvPicPr>
-        <p:blipFill>
+        <p:blipFill rotWithShape="1">
           <a:blip r:embed="rId3">
             <a:alphaModFix/>
           </a:blip>
-          <a:stretch>
-            <a:fillRect/>
-          </a:stretch>
+          <a:srcRect b="16768" l="0" r="0" t="16768"/>
+          <a:stretch/>
         </p:blipFill>
         <p:spPr>
           <a:xfrm>
-            <a:off x="1040700" y="151600"/>
-            <a:ext cx="6843675" cy="5242649"/>
+            <a:off x="200" y="0"/>
+            <a:ext cx="4572000" cy="5143500"/>
           </a:xfrm>
           <a:prstGeom prst="rect">
             <a:avLst/>
@@ -7067,7 +8962,273 @@
   <p:cSld>
     <p:spTree>
       <p:nvGrpSpPr>
-        <p:cNvPr id="91" name="Shape 91"/>
+        <p:cNvPr id="92" name="Shape 92"/>
+        <p:cNvGrpSpPr/>
+        <p:nvPr/>
+      </p:nvGrpSpPr>
+      <p:grpSpPr>
+        <a:xfrm>
+          <a:off x="0" y="0"/>
+          <a:ext cx="0" cy="0"/>
+          <a:chOff x="0" y="0"/>
+          <a:chExt cx="0" cy="0"/>
+        </a:xfrm>
+      </p:grpSpPr>
+      <p:sp>
+        <p:nvSpPr>
+          <p:cNvPr id="93" name="Shape 93"/>
+          <p:cNvSpPr txBox="1"/>
+          <p:nvPr>
+            <p:ph type="title"/>
+          </p:nvPr>
+        </p:nvSpPr>
+        <p:spPr>
+          <a:xfrm>
+            <a:off x="5172950" y="923700"/>
+            <a:ext cx="3370500" cy="3296100"/>
+          </a:xfrm>
+          <a:prstGeom prst="rect">
+            <a:avLst/>
+          </a:prstGeom>
+        </p:spPr>
+        <p:txBody>
+          <a:bodyPr anchorCtr="0" anchor="ctr" bIns="91425" lIns="91425" rIns="91425" tIns="91425">
+            <a:noAutofit/>
+          </a:bodyPr>
+          <a:lstStyle/>
+          <a:p>
+            <a:pPr lvl="0">
+              <a:spcBef>
+                <a:spcPts val="0"/>
+              </a:spcBef>
+              <a:buNone/>
+            </a:pPr>
+            <a:r>
+              <a:t/>
+            </a:r>
+            <a:endParaRPr/>
+          </a:p>
+        </p:txBody>
+      </p:sp>
+      <p:pic>
+        <p:nvPicPr>
+          <p:cNvPr id="94" name="Shape 94"/>
+          <p:cNvPicPr preferRelativeResize="0"/>
+          <p:nvPr/>
+        </p:nvPicPr>
+        <p:blipFill>
+          <a:blip r:embed="rId3">
+            <a:alphaModFix/>
+          </a:blip>
+          <a:stretch>
+            <a:fillRect/>
+          </a:stretch>
+        </p:blipFill>
+        <p:spPr>
+          <a:xfrm>
+            <a:off x="2929325" y="233350"/>
+            <a:ext cx="6134100" cy="4676775"/>
+          </a:xfrm>
+          <a:prstGeom prst="rect">
+            <a:avLst/>
+          </a:prstGeom>
+          <a:noFill/>
+          <a:ln>
+            <a:noFill/>
+          </a:ln>
+        </p:spPr>
+      </p:pic>
+      <p:sp>
+        <p:nvSpPr>
+          <p:cNvPr id="95" name="Shape 95"/>
+          <p:cNvSpPr txBox="1"/>
+          <p:nvPr/>
+        </p:nvSpPr>
+        <p:spPr>
+          <a:xfrm>
+            <a:off x="406750" y="1692650"/>
+            <a:ext cx="2742300" cy="1640100"/>
+          </a:xfrm>
+          <a:prstGeom prst="rect">
+            <a:avLst/>
+          </a:prstGeom>
+          <a:noFill/>
+          <a:ln>
+            <a:noFill/>
+          </a:ln>
+        </p:spPr>
+        <p:txBody>
+          <a:bodyPr anchorCtr="0" anchor="t" bIns="91425" lIns="91425" rIns="91425" tIns="91425">
+            <a:noAutofit/>
+          </a:bodyPr>
+          <a:lstStyle/>
+          <a:p>
+            <a:pPr lvl="0">
+              <a:spcBef>
+                <a:spcPts val="0"/>
+              </a:spcBef>
+              <a:buNone/>
+            </a:pPr>
+            <a:r>
+              <a:rPr lang="es" sz="2400"/>
+              <a:t>Diagrama de Actividades</a:t>
+            </a:r>
+          </a:p>
+          <a:p>
+            <a:pPr lvl="0" rtl="0">
+              <a:spcBef>
+                <a:spcPts val="0"/>
+              </a:spcBef>
+              <a:buNone/>
+            </a:pPr>
+            <a:r>
+              <a:t/>
+            </a:r>
+            <a:endParaRPr sz="2400"/>
+          </a:p>
+        </p:txBody>
+      </p:sp>
+    </p:spTree>
+  </p:cSld>
+  <p:clrMapOvr>
+    <a:masterClrMapping/>
+  </p:clrMapOvr>
+</p:sld>
+</file>
+
+<file path=ppt/slides/slide6.xml><?xml version="1.0" encoding="utf-8"?>
+<p:sld xmlns:a="http://schemas.openxmlformats.org/drawingml/2006/main" xmlns:r="http://schemas.openxmlformats.org/officeDocument/2006/relationships" xmlns:mc="http://schemas.openxmlformats.org/markup-compatibility/2006" xmlns:mv="urn:schemas-microsoft-com:mac:vml" xmlns:p="http://schemas.openxmlformats.org/presentationml/2006/main" xmlns:c="http://schemas.openxmlformats.org/drawingml/2006/chart" xmlns:dgm="http://schemas.openxmlformats.org/drawingml/2006/diagram" xmlns:o="urn:schemas-microsoft-com:office:office" xmlns:v="urn:schemas-microsoft-com:vml" xmlns:pvml="urn:schemas-microsoft-com:office:powerpoint" xmlns:com="http://schemas.openxmlformats.org/drawingml/2006/compatibility" xmlns:p14="http://schemas.microsoft.com/office/powerpoint/2010/main">
+  <p:cSld>
+    <p:spTree>
+      <p:nvGrpSpPr>
+        <p:cNvPr id="99" name="Shape 99"/>
+        <p:cNvGrpSpPr/>
+        <p:nvPr/>
+      </p:nvGrpSpPr>
+      <p:grpSpPr>
+        <a:xfrm>
+          <a:off x="0" y="0"/>
+          <a:ext cx="0" cy="0"/>
+          <a:chOff x="0" y="0"/>
+          <a:chExt cx="0" cy="0"/>
+        </a:xfrm>
+      </p:grpSpPr>
+      <p:sp>
+        <p:nvSpPr>
+          <p:cNvPr id="100" name="Shape 100"/>
+          <p:cNvSpPr txBox="1"/>
+          <p:nvPr>
+            <p:ph type="title"/>
+          </p:nvPr>
+        </p:nvSpPr>
+        <p:spPr>
+          <a:xfrm>
+            <a:off x="5172950" y="923700"/>
+            <a:ext cx="3370500" cy="3296100"/>
+          </a:xfrm>
+          <a:prstGeom prst="rect">
+            <a:avLst/>
+          </a:prstGeom>
+        </p:spPr>
+        <p:txBody>
+          <a:bodyPr anchorCtr="0" anchor="ctr" bIns="91425" lIns="91425" rIns="91425" tIns="91425">
+            <a:noAutofit/>
+          </a:bodyPr>
+          <a:lstStyle/>
+          <a:p>
+            <a:pPr lvl="0">
+              <a:spcBef>
+                <a:spcPts val="0"/>
+              </a:spcBef>
+              <a:buNone/>
+            </a:pPr>
+            <a:r>
+              <a:t/>
+            </a:r>
+            <a:endParaRPr/>
+          </a:p>
+        </p:txBody>
+      </p:sp>
+      <p:pic>
+        <p:nvPicPr>
+          <p:cNvPr id="101" name="Shape 101"/>
+          <p:cNvPicPr preferRelativeResize="0"/>
+          <p:nvPr/>
+        </p:nvPicPr>
+        <p:blipFill>
+          <a:blip r:embed="rId3">
+            <a:alphaModFix/>
+          </a:blip>
+          <a:stretch>
+            <a:fillRect/>
+          </a:stretch>
+        </p:blipFill>
+        <p:spPr>
+          <a:xfrm>
+            <a:off x="3390412" y="211787"/>
+            <a:ext cx="5553075" cy="4562475"/>
+          </a:xfrm>
+          <a:prstGeom prst="rect">
+            <a:avLst/>
+          </a:prstGeom>
+          <a:noFill/>
+          <a:ln>
+            <a:noFill/>
+          </a:ln>
+        </p:spPr>
+      </p:pic>
+      <p:sp>
+        <p:nvSpPr>
+          <p:cNvPr id="102" name="Shape 102"/>
+          <p:cNvSpPr txBox="1"/>
+          <p:nvPr/>
+        </p:nvSpPr>
+        <p:spPr>
+          <a:xfrm>
+            <a:off x="354275" y="1640150"/>
+            <a:ext cx="2742300" cy="1640100"/>
+          </a:xfrm>
+          <a:prstGeom prst="rect">
+            <a:avLst/>
+          </a:prstGeom>
+          <a:noFill/>
+          <a:ln>
+            <a:noFill/>
+          </a:ln>
+        </p:spPr>
+        <p:txBody>
+          <a:bodyPr anchorCtr="0" anchor="t" bIns="91425" lIns="91425" rIns="91425" tIns="91425">
+            <a:noAutofit/>
+          </a:bodyPr>
+          <a:lstStyle/>
+          <a:p>
+            <a:pPr lvl="0" rtl="0">
+              <a:spcBef>
+                <a:spcPts val="0"/>
+              </a:spcBef>
+              <a:buNone/>
+            </a:pPr>
+            <a:r>
+              <a:rPr lang="es" sz="2400"/>
+              <a:t>Diagrama de caso de usos</a:t>
+            </a:r>
+          </a:p>
+        </p:txBody>
+      </p:sp>
+    </p:spTree>
+  </p:cSld>
+  <p:clrMapOvr>
+    <a:masterClrMapping/>
+  </p:clrMapOvr>
+</p:sld>
+</file>
+
+<file path=ppt/slides/slide7.xml><?xml version="1.0" encoding="utf-8"?>
+<p:sld xmlns:a="http://schemas.openxmlformats.org/drawingml/2006/main" xmlns:r="http://schemas.openxmlformats.org/officeDocument/2006/relationships" xmlns:mc="http://schemas.openxmlformats.org/markup-compatibility/2006" xmlns:mv="urn:schemas-microsoft-com:mac:vml" xmlns:p="http://schemas.openxmlformats.org/presentationml/2006/main" xmlns:c="http://schemas.openxmlformats.org/drawingml/2006/chart" xmlns:dgm="http://schemas.openxmlformats.org/drawingml/2006/diagram" xmlns:o="urn:schemas-microsoft-com:office:office" xmlns:v="urn:schemas-microsoft-com:vml" xmlns:pvml="urn:schemas-microsoft-com:office:powerpoint" xmlns:com="http://schemas.openxmlformats.org/drawingml/2006/compatibility" xmlns:p14="http://schemas.microsoft.com/office/powerpoint/2010/main">
+  <p:cSld>
+    <p:spTree>
+      <p:nvGrpSpPr>
+        <p:cNvPr id="106" name="Shape 106"/>
         <p:cNvGrpSpPr/>
         <p:nvPr/>
       </p:nvGrpSpPr>
@@ -7081,131 +9242,7 @@
       </p:grpSpPr>
       <p:pic>
         <p:nvPicPr>
-          <p:cNvPr descr="screenshot_20170624_154358.png" id="92" name="Shape 92"/>
-          <p:cNvPicPr preferRelativeResize="0"/>
-          <p:nvPr/>
-        </p:nvPicPr>
-        <p:blipFill rotWithShape="1">
-          <a:blip r:embed="rId3">
-            <a:alphaModFix/>
-          </a:blip>
-          <a:srcRect b="16768" l="0" r="0" t="16768"/>
-          <a:stretch/>
-        </p:blipFill>
-        <p:spPr>
-          <a:xfrm>
-            <a:off x="200" y="0"/>
-            <a:ext cx="4572000" cy="5143500"/>
-          </a:xfrm>
-          <a:prstGeom prst="rect">
-            <a:avLst/>
-          </a:prstGeom>
-          <a:noFill/>
-          <a:ln>
-            <a:noFill/>
-          </a:ln>
-        </p:spPr>
-      </p:pic>
-      <p:sp>
-        <p:nvSpPr>
-          <p:cNvPr id="93" name="Shape 93"/>
-          <p:cNvSpPr txBox="1"/>
-          <p:nvPr>
-            <p:ph type="title"/>
-          </p:nvPr>
-        </p:nvSpPr>
-        <p:spPr>
-          <a:xfrm>
-            <a:off x="5172950" y="923700"/>
-            <a:ext cx="3370500" cy="3296100"/>
-          </a:xfrm>
-          <a:prstGeom prst="rect">
-            <a:avLst/>
-          </a:prstGeom>
-        </p:spPr>
-        <p:txBody>
-          <a:bodyPr anchorCtr="0" anchor="ctr" bIns="91425" lIns="91425" rIns="91425" tIns="91425">
-            <a:noAutofit/>
-          </a:bodyPr>
-          <a:lstStyle/>
-          <a:p>
-            <a:pPr lvl="0" rtl="0">
-              <a:spcBef>
-                <a:spcPts val="0"/>
-              </a:spcBef>
-              <a:buNone/>
-            </a:pPr>
-            <a:r>
-              <a:rPr lang="es"/>
-              <a:t>Patrones de Diseño</a:t>
-            </a:r>
-          </a:p>
-        </p:txBody>
-      </p:sp>
-    </p:spTree>
-  </p:cSld>
-  <p:clrMapOvr>
-    <a:masterClrMapping/>
-  </p:clrMapOvr>
-</p:sld>
-</file>
-
-<file path=ppt/slides/slide6.xml><?xml version="1.0" encoding="utf-8"?>
-<p:sld xmlns:a="http://schemas.openxmlformats.org/drawingml/2006/main" xmlns:r="http://schemas.openxmlformats.org/officeDocument/2006/relationships" xmlns:mc="http://schemas.openxmlformats.org/markup-compatibility/2006" xmlns:mv="urn:schemas-microsoft-com:mac:vml" xmlns:p="http://schemas.openxmlformats.org/presentationml/2006/main" xmlns:c="http://schemas.openxmlformats.org/drawingml/2006/chart" xmlns:dgm="http://schemas.openxmlformats.org/drawingml/2006/diagram" xmlns:o="urn:schemas-microsoft-com:office:office" xmlns:v="urn:schemas-microsoft-com:vml" xmlns:pvml="urn:schemas-microsoft-com:office:powerpoint" xmlns:com="http://schemas.openxmlformats.org/drawingml/2006/compatibility" xmlns:p14="http://schemas.microsoft.com/office/powerpoint/2010/main">
-  <p:cSld>
-    <p:spTree>
-      <p:nvGrpSpPr>
-        <p:cNvPr id="97" name="Shape 97"/>
-        <p:cNvGrpSpPr/>
-        <p:nvPr/>
-      </p:nvGrpSpPr>
-      <p:grpSpPr>
-        <a:xfrm>
-          <a:off x="0" y="0"/>
-          <a:ext cx="0" cy="0"/>
-          <a:chOff x="0" y="0"/>
-          <a:chExt cx="0" cy="0"/>
-        </a:xfrm>
-      </p:grpSpPr>
-      <p:sp>
-        <p:nvSpPr>
-          <p:cNvPr id="98" name="Shape 98"/>
-          <p:cNvSpPr txBox="1"/>
-          <p:nvPr>
-            <p:ph type="title"/>
-          </p:nvPr>
-        </p:nvSpPr>
-        <p:spPr>
-          <a:xfrm>
-            <a:off x="5172950" y="923700"/>
-            <a:ext cx="3370500" cy="3296100"/>
-          </a:xfrm>
-          <a:prstGeom prst="rect">
-            <a:avLst/>
-          </a:prstGeom>
-        </p:spPr>
-        <p:txBody>
-          <a:bodyPr anchorCtr="0" anchor="ctr" bIns="91425" lIns="91425" rIns="91425" tIns="91425">
-            <a:noAutofit/>
-          </a:bodyPr>
-          <a:lstStyle/>
-          <a:p>
-            <a:pPr lvl="0">
-              <a:spcBef>
-                <a:spcPts val="0"/>
-              </a:spcBef>
-              <a:buNone/>
-            </a:pPr>
-            <a:r>
-              <a:rPr lang="es"/>
-              <a:t>Observer</a:t>
-            </a:r>
-          </a:p>
-        </p:txBody>
-      </p:sp>
-      <p:pic>
-        <p:nvPicPr>
-          <p:cNvPr id="99" name="Shape 99"/>
+          <p:cNvPr id="107" name="Shape 107"/>
           <p:cNvPicPr preferRelativeResize="0"/>
           <p:nvPr/>
         </p:nvPicPr>
@@ -7219,8 +9256,8 @@
         </p:blipFill>
         <p:spPr>
           <a:xfrm>
-            <a:off x="238800" y="822687"/>
-            <a:ext cx="4616024" cy="3498124"/>
+            <a:off x="1040700" y="151600"/>
+            <a:ext cx="6843675" cy="5242649"/>
           </a:xfrm>
           <a:prstGeom prst="rect">
             <a:avLst/>
@@ -7231,613 +9268,6 @@
           </a:ln>
         </p:spPr>
       </p:pic>
-    </p:spTree>
-  </p:cSld>
-  <p:clrMapOvr>
-    <a:masterClrMapping/>
-  </p:clrMapOvr>
-</p:sld>
-</file>
-
-<file path=ppt/slides/slide7.xml><?xml version="1.0" encoding="utf-8"?>
-<p:sld xmlns:a="http://schemas.openxmlformats.org/drawingml/2006/main" xmlns:r="http://schemas.openxmlformats.org/officeDocument/2006/relationships" xmlns:mc="http://schemas.openxmlformats.org/markup-compatibility/2006" xmlns:mv="urn:schemas-microsoft-com:mac:vml" xmlns:p="http://schemas.openxmlformats.org/presentationml/2006/main" xmlns:c="http://schemas.openxmlformats.org/drawingml/2006/chart" xmlns:dgm="http://schemas.openxmlformats.org/drawingml/2006/diagram" xmlns:o="urn:schemas-microsoft-com:office:office" xmlns:v="urn:schemas-microsoft-com:vml" xmlns:pvml="urn:schemas-microsoft-com:office:powerpoint" xmlns:com="http://schemas.openxmlformats.org/drawingml/2006/compatibility" xmlns:p14="http://schemas.microsoft.com/office/powerpoint/2010/main">
-  <p:cSld>
-    <p:spTree>
-      <p:nvGrpSpPr>
-        <p:cNvPr id="103" name="Shape 103"/>
-        <p:cNvGrpSpPr/>
-        <p:nvPr/>
-      </p:nvGrpSpPr>
-      <p:grpSpPr>
-        <a:xfrm>
-          <a:off x="0" y="0"/>
-          <a:ext cx="0" cy="0"/>
-          <a:chOff x="0" y="0"/>
-          <a:chExt cx="0" cy="0"/>
-        </a:xfrm>
-      </p:grpSpPr>
-      <p:sp>
-        <p:nvSpPr>
-          <p:cNvPr id="104" name="Shape 104"/>
-          <p:cNvSpPr/>
-          <p:nvPr/>
-        </p:nvSpPr>
-        <p:spPr>
-          <a:xfrm>
-            <a:off x="115550" y="3613700"/>
-            <a:ext cx="4067400" cy="1495800"/>
-          </a:xfrm>
-          <a:prstGeom prst="rect">
-            <a:avLst/>
-          </a:prstGeom>
-          <a:noFill/>
-          <a:ln cap="flat" cmpd="sng" w="19050">
-            <a:solidFill>
-              <a:srgbClr val="A64D79"/>
-            </a:solidFill>
-            <a:prstDash val="solid"/>
-            <a:round/>
-            <a:headEnd len="med" w="med" type="none"/>
-            <a:tailEnd len="med" w="med" type="none"/>
-          </a:ln>
-        </p:spPr>
-        <p:txBody>
-          <a:bodyPr anchorCtr="0" anchor="ctr" bIns="91425" lIns="91425" rIns="91425" tIns="91425">
-            <a:noAutofit/>
-          </a:bodyPr>
-          <a:lstStyle/>
-          <a:p>
-            <a:pPr lvl="0">
-              <a:spcBef>
-                <a:spcPts val="0"/>
-              </a:spcBef>
-              <a:buNone/>
-            </a:pPr>
-            <a:r>
-              <a:t/>
-            </a:r>
-            <a:endParaRPr/>
-          </a:p>
-        </p:txBody>
-      </p:sp>
-      <p:pic>
-        <p:nvPicPr>
-          <p:cNvPr id="105" name="Shape 105"/>
-          <p:cNvPicPr preferRelativeResize="0"/>
-          <p:nvPr/>
-        </p:nvPicPr>
-        <p:blipFill>
-          <a:blip r:embed="rId3">
-            <a:alphaModFix/>
-          </a:blip>
-          <a:stretch>
-            <a:fillRect/>
-          </a:stretch>
-        </p:blipFill>
-        <p:spPr>
-          <a:xfrm>
-            <a:off x="252500" y="2429562"/>
-            <a:ext cx="3457575" cy="885825"/>
-          </a:xfrm>
-          <a:prstGeom prst="rect">
-            <a:avLst/>
-          </a:prstGeom>
-          <a:noFill/>
-          <a:ln>
-            <a:noFill/>
-          </a:ln>
-        </p:spPr>
-      </p:pic>
-      <p:sp>
-        <p:nvSpPr>
-          <p:cNvPr id="106" name="Shape 106"/>
-          <p:cNvSpPr/>
-          <p:nvPr/>
-        </p:nvSpPr>
-        <p:spPr>
-          <a:xfrm>
-            <a:off x="91850" y="2112500"/>
-            <a:ext cx="4067400" cy="1430100"/>
-          </a:xfrm>
-          <a:prstGeom prst="rect">
-            <a:avLst/>
-          </a:prstGeom>
-          <a:noFill/>
-          <a:ln cap="flat" cmpd="sng" w="19050">
-            <a:solidFill>
-              <a:srgbClr val="5B0F00"/>
-            </a:solidFill>
-            <a:prstDash val="solid"/>
-            <a:round/>
-            <a:headEnd len="med" w="med" type="none"/>
-            <a:tailEnd len="med" w="med" type="none"/>
-          </a:ln>
-        </p:spPr>
-        <p:txBody>
-          <a:bodyPr anchorCtr="0" anchor="ctr" bIns="91425" lIns="91425" rIns="91425" tIns="91425">
-            <a:noAutofit/>
-          </a:bodyPr>
-          <a:lstStyle/>
-          <a:p>
-            <a:pPr lvl="0">
-              <a:spcBef>
-                <a:spcPts val="0"/>
-              </a:spcBef>
-              <a:buNone/>
-            </a:pPr>
-            <a:r>
-              <a:t/>
-            </a:r>
-            <a:endParaRPr/>
-          </a:p>
-        </p:txBody>
-      </p:sp>
-      <p:pic>
-        <p:nvPicPr>
-          <p:cNvPr id="107" name="Shape 107"/>
-          <p:cNvPicPr preferRelativeResize="0"/>
-          <p:nvPr/>
-        </p:nvPicPr>
-        <p:blipFill>
-          <a:blip r:embed="rId4">
-            <a:alphaModFix/>
-          </a:blip>
-          <a:stretch>
-            <a:fillRect/>
-          </a:stretch>
-        </p:blipFill>
-        <p:spPr>
-          <a:xfrm>
-            <a:off x="81562" y="800425"/>
-            <a:ext cx="4505325" cy="819150"/>
-          </a:xfrm>
-          <a:prstGeom prst="rect">
-            <a:avLst/>
-          </a:prstGeom>
-          <a:noFill/>
-          <a:ln>
-            <a:noFill/>
-          </a:ln>
-        </p:spPr>
-      </p:pic>
-      <p:pic>
-        <p:nvPicPr>
-          <p:cNvPr id="108" name="Shape 108"/>
-          <p:cNvPicPr preferRelativeResize="0"/>
-          <p:nvPr/>
-        </p:nvPicPr>
-        <p:blipFill>
-          <a:blip r:embed="rId5">
-            <a:alphaModFix/>
-          </a:blip>
-          <a:stretch>
-            <a:fillRect/>
-          </a:stretch>
-        </p:blipFill>
-        <p:spPr>
-          <a:xfrm>
-            <a:off x="343000" y="3899137"/>
-            <a:ext cx="3276600" cy="1019175"/>
-          </a:xfrm>
-          <a:prstGeom prst="rect">
-            <a:avLst/>
-          </a:prstGeom>
-          <a:noFill/>
-          <a:ln>
-            <a:noFill/>
-          </a:ln>
-        </p:spPr>
-      </p:pic>
-      <p:pic>
-        <p:nvPicPr>
-          <p:cNvPr id="109" name="Shape 109"/>
-          <p:cNvPicPr preferRelativeResize="0"/>
-          <p:nvPr/>
-        </p:nvPicPr>
-        <p:blipFill>
-          <a:blip r:embed="rId6">
-            <a:alphaModFix/>
-          </a:blip>
-          <a:stretch>
-            <a:fillRect/>
-          </a:stretch>
-        </p:blipFill>
-        <p:spPr>
-          <a:xfrm>
-            <a:off x="4308700" y="960000"/>
-            <a:ext cx="4777050" cy="4036950"/>
-          </a:xfrm>
-          <a:prstGeom prst="rect">
-            <a:avLst/>
-          </a:prstGeom>
-          <a:noFill/>
-          <a:ln>
-            <a:noFill/>
-          </a:ln>
-        </p:spPr>
-      </p:pic>
-      <p:sp>
-        <p:nvSpPr>
-          <p:cNvPr id="110" name="Shape 110"/>
-          <p:cNvSpPr txBox="1"/>
-          <p:nvPr/>
-        </p:nvSpPr>
-        <p:spPr>
-          <a:xfrm>
-            <a:off x="5366550" y="393625"/>
-            <a:ext cx="3188400" cy="406800"/>
-          </a:xfrm>
-          <a:prstGeom prst="rect">
-            <a:avLst/>
-          </a:prstGeom>
-          <a:noFill/>
-          <a:ln>
-            <a:noFill/>
-          </a:ln>
-        </p:spPr>
-        <p:txBody>
-          <a:bodyPr anchorCtr="0" anchor="t" bIns="91425" lIns="91425" rIns="91425" tIns="91425">
-            <a:noAutofit/>
-          </a:bodyPr>
-          <a:lstStyle/>
-          <a:p>
-            <a:pPr lvl="0">
-              <a:spcBef>
-                <a:spcPts val="0"/>
-              </a:spcBef>
-              <a:buNone/>
-            </a:pPr>
-            <a:r>
-              <a:rPr lang="es"/>
-              <a:t>clase observador</a:t>
-            </a:r>
-          </a:p>
-          <a:p>
-            <a:pPr lvl="0">
-              <a:spcBef>
-                <a:spcPts val="0"/>
-              </a:spcBef>
-              <a:buNone/>
-            </a:pPr>
-            <a:r>
-              <a:t/>
-            </a:r>
-            <a:endParaRPr/>
-          </a:p>
-        </p:txBody>
-      </p:sp>
-      <p:sp>
-        <p:nvSpPr>
-          <p:cNvPr id="111" name="Shape 111"/>
-          <p:cNvSpPr txBox="1"/>
-          <p:nvPr/>
-        </p:nvSpPr>
-        <p:spPr>
-          <a:xfrm>
-            <a:off x="170575" y="183700"/>
-            <a:ext cx="2808000" cy="406800"/>
-          </a:xfrm>
-          <a:prstGeom prst="rect">
-            <a:avLst/>
-          </a:prstGeom>
-          <a:noFill/>
-          <a:ln>
-            <a:noFill/>
-          </a:ln>
-        </p:spPr>
-        <p:txBody>
-          <a:bodyPr anchorCtr="0" anchor="t" bIns="91425" lIns="91425" rIns="91425" tIns="91425">
-            <a:noAutofit/>
-          </a:bodyPr>
-          <a:lstStyle/>
-          <a:p>
-            <a:pPr lvl="0">
-              <a:spcBef>
-                <a:spcPts val="0"/>
-              </a:spcBef>
-              <a:buNone/>
-            </a:pPr>
-            <a:r>
-              <a:rPr lang="es"/>
-              <a:t>clase controller</a:t>
-            </a:r>
-          </a:p>
-        </p:txBody>
-      </p:sp>
-      <p:sp>
-        <p:nvSpPr>
-          <p:cNvPr id="112" name="Shape 112"/>
-          <p:cNvSpPr txBox="1"/>
-          <p:nvPr/>
-        </p:nvSpPr>
-        <p:spPr>
-          <a:xfrm>
-            <a:off x="177075" y="3488925"/>
-            <a:ext cx="3608400" cy="485400"/>
-          </a:xfrm>
-          <a:prstGeom prst="rect">
-            <a:avLst/>
-          </a:prstGeom>
-          <a:noFill/>
-          <a:ln>
-            <a:noFill/>
-          </a:ln>
-        </p:spPr>
-        <p:txBody>
-          <a:bodyPr anchorCtr="0" anchor="t" bIns="91425" lIns="91425" rIns="91425" tIns="91425">
-            <a:noAutofit/>
-          </a:bodyPr>
-          <a:lstStyle/>
-          <a:p>
-            <a:pPr lvl="0">
-              <a:spcBef>
-                <a:spcPts val="0"/>
-              </a:spcBef>
-              <a:buNone/>
-            </a:pPr>
-            <a:r>
-              <a:rPr lang="es"/>
-              <a:t>Metodo update dentro de vistaPrincipal</a:t>
-            </a:r>
-          </a:p>
-        </p:txBody>
-      </p:sp>
-      <p:sp>
-        <p:nvSpPr>
-          <p:cNvPr id="113" name="Shape 113"/>
-          <p:cNvSpPr/>
-          <p:nvPr/>
-        </p:nvSpPr>
-        <p:spPr>
-          <a:xfrm>
-            <a:off x="4513675" y="183700"/>
-            <a:ext cx="4572075" cy="4925800"/>
-          </a:xfrm>
-          <a:prstGeom prst="flowChartProcess">
-            <a:avLst/>
-          </a:prstGeom>
-          <a:noFill/>
-          <a:ln cap="flat" cmpd="sng" w="19050">
-            <a:solidFill>
-              <a:srgbClr val="FF0000"/>
-            </a:solidFill>
-            <a:prstDash val="solid"/>
-            <a:round/>
-            <a:headEnd len="med" w="med" type="none"/>
-            <a:tailEnd len="med" w="med" type="none"/>
-          </a:ln>
-        </p:spPr>
-        <p:txBody>
-          <a:bodyPr anchorCtr="0" anchor="ctr" bIns="91425" lIns="91425" rIns="91425" tIns="91425">
-            <a:noAutofit/>
-          </a:bodyPr>
-          <a:lstStyle/>
-          <a:p>
-            <a:pPr lvl="0">
-              <a:spcBef>
-                <a:spcPts val="0"/>
-              </a:spcBef>
-              <a:buNone/>
-            </a:pPr>
-            <a:r>
-              <a:t/>
-            </a:r>
-            <a:endParaRPr/>
-          </a:p>
-        </p:txBody>
-      </p:sp>
-      <p:sp>
-        <p:nvSpPr>
-          <p:cNvPr id="114" name="Shape 114"/>
-          <p:cNvSpPr/>
-          <p:nvPr/>
-        </p:nvSpPr>
-        <p:spPr>
-          <a:xfrm>
-            <a:off x="27650" y="118100"/>
-            <a:ext cx="4243200" cy="1923300"/>
-          </a:xfrm>
-          <a:prstGeom prst="rect">
-            <a:avLst/>
-          </a:prstGeom>
-          <a:noFill/>
-          <a:ln cap="flat" cmpd="sng" w="19050">
-            <a:solidFill>
-              <a:srgbClr val="00FF00"/>
-            </a:solidFill>
-            <a:prstDash val="solid"/>
-            <a:round/>
-            <a:headEnd len="med" w="med" type="none"/>
-            <a:tailEnd len="med" w="med" type="none"/>
-          </a:ln>
-        </p:spPr>
-        <p:txBody>
-          <a:bodyPr anchorCtr="0" anchor="ctr" bIns="91425" lIns="91425" rIns="91425" tIns="91425">
-            <a:noAutofit/>
-          </a:bodyPr>
-          <a:lstStyle/>
-          <a:p>
-            <a:pPr lvl="0">
-              <a:spcBef>
-                <a:spcPts val="0"/>
-              </a:spcBef>
-              <a:buNone/>
-            </a:pPr>
-            <a:r>
-              <a:t/>
-            </a:r>
-            <a:endParaRPr/>
-          </a:p>
-        </p:txBody>
-      </p:sp>
-      <p:cxnSp>
-        <p:nvCxnSpPr>
-          <p:cNvPr id="115" name="Shape 115"/>
-          <p:cNvCxnSpPr/>
-          <p:nvPr/>
-        </p:nvCxnSpPr>
-        <p:spPr>
-          <a:xfrm>
-            <a:off x="1679525" y="564175"/>
-            <a:ext cx="3359100" cy="65700"/>
-          </a:xfrm>
-          <a:prstGeom prst="straightConnector1">
-            <a:avLst/>
-          </a:prstGeom>
-          <a:noFill/>
-          <a:ln cap="flat" cmpd="sng" w="9525">
-            <a:solidFill>
-              <a:schemeClr val="dk2"/>
-            </a:solidFill>
-            <a:prstDash val="solid"/>
-            <a:round/>
-            <a:headEnd len="lg" w="lg" type="none"/>
-            <a:tailEnd len="lg" w="lg" type="triangle"/>
-          </a:ln>
-        </p:spPr>
-      </p:cxnSp>
-      <p:cxnSp>
-        <p:nvCxnSpPr>
-          <p:cNvPr id="116" name="Shape 116"/>
-          <p:cNvCxnSpPr/>
-          <p:nvPr/>
-        </p:nvCxnSpPr>
-        <p:spPr>
-          <a:xfrm flipH="1">
-            <a:off x="3083550" y="622275"/>
-            <a:ext cx="2230500" cy="1509000"/>
-          </a:xfrm>
-          <a:prstGeom prst="straightConnector1">
-            <a:avLst/>
-          </a:prstGeom>
-          <a:noFill/>
-          <a:ln cap="flat" cmpd="sng" w="9525">
-            <a:solidFill>
-              <a:schemeClr val="dk2"/>
-            </a:solidFill>
-            <a:prstDash val="solid"/>
-            <a:round/>
-            <a:headEnd len="lg" w="lg" type="none"/>
-            <a:tailEnd len="lg" w="lg" type="triangle"/>
-          </a:ln>
-        </p:spPr>
-      </p:cxnSp>
-      <p:cxnSp>
-        <p:nvCxnSpPr>
-          <p:cNvPr id="117" name="Shape 117"/>
-          <p:cNvCxnSpPr/>
-          <p:nvPr/>
-        </p:nvCxnSpPr>
-        <p:spPr>
-          <a:xfrm flipH="1">
-            <a:off x="3450975" y="682300"/>
-            <a:ext cx="1981200" cy="3018000"/>
-          </a:xfrm>
-          <a:prstGeom prst="straightConnector1">
-            <a:avLst/>
-          </a:prstGeom>
-          <a:noFill/>
-          <a:ln cap="flat" cmpd="sng" w="9525">
-            <a:solidFill>
-              <a:schemeClr val="dk2"/>
-            </a:solidFill>
-            <a:prstDash val="solid"/>
-            <a:round/>
-            <a:headEnd len="lg" w="lg" type="none"/>
-            <a:tailEnd len="lg" w="lg" type="triangle"/>
-          </a:ln>
-        </p:spPr>
-      </p:cxnSp>
-      <p:sp>
-        <p:nvSpPr>
-          <p:cNvPr id="118" name="Shape 118"/>
-          <p:cNvSpPr txBox="1"/>
-          <p:nvPr/>
-        </p:nvSpPr>
-        <p:spPr>
-          <a:xfrm>
-            <a:off x="80287" y="2041425"/>
-            <a:ext cx="4137900" cy="406800"/>
-          </a:xfrm>
-          <a:prstGeom prst="rect">
-            <a:avLst/>
-          </a:prstGeom>
-          <a:noFill/>
-          <a:ln>
-            <a:noFill/>
-          </a:ln>
-        </p:spPr>
-        <p:txBody>
-          <a:bodyPr anchorCtr="0" anchor="t" bIns="91425" lIns="91425" rIns="91425" tIns="91425">
-            <a:noAutofit/>
-          </a:bodyPr>
-          <a:lstStyle/>
-          <a:p>
-            <a:pPr lvl="0">
-              <a:spcBef>
-                <a:spcPts val="0"/>
-              </a:spcBef>
-              <a:buNone/>
-            </a:pPr>
-            <a:r>
-              <a:rPr lang="es"/>
-              <a:t>Metodo update dentro de VistaListaReproduccion</a:t>
-            </a:r>
-          </a:p>
-        </p:txBody>
-      </p:sp>
-      <p:cxnSp>
-        <p:nvCxnSpPr>
-          <p:cNvPr id="119" name="Shape 119"/>
-          <p:cNvCxnSpPr/>
-          <p:nvPr/>
-        </p:nvCxnSpPr>
-        <p:spPr>
-          <a:xfrm rot="10800000">
-            <a:off x="3148975" y="2860275"/>
-            <a:ext cx="1417200" cy="525000"/>
-          </a:xfrm>
-          <a:prstGeom prst="straightConnector1">
-            <a:avLst/>
-          </a:prstGeom>
-          <a:noFill/>
-          <a:ln cap="flat" cmpd="sng" w="9525">
-            <a:solidFill>
-              <a:schemeClr val="dk2"/>
-            </a:solidFill>
-            <a:prstDash val="solid"/>
-            <a:round/>
-            <a:headEnd len="lg" w="lg" type="none"/>
-            <a:tailEnd len="lg" w="lg" type="triangle"/>
-          </a:ln>
-        </p:spPr>
-      </p:cxnSp>
-      <p:cxnSp>
-        <p:nvCxnSpPr>
-          <p:cNvPr id="120" name="Shape 120"/>
-          <p:cNvCxnSpPr/>
-          <p:nvPr/>
-        </p:nvCxnSpPr>
-        <p:spPr>
-          <a:xfrm flipH="1">
-            <a:off x="3253950" y="3516475"/>
-            <a:ext cx="1417200" cy="708600"/>
-          </a:xfrm>
-          <a:prstGeom prst="straightConnector1">
-            <a:avLst/>
-          </a:prstGeom>
-          <a:noFill/>
-          <a:ln cap="flat" cmpd="sng" w="9525">
-            <a:solidFill>
-              <a:schemeClr val="dk2"/>
-            </a:solidFill>
-            <a:prstDash val="solid"/>
-            <a:round/>
-            <a:headEnd len="lg" w="lg" type="none"/>
-            <a:tailEnd len="lg" w="lg" type="triangle"/>
-          </a:ln>
-        </p:spPr>
-      </p:cxnSp>
     </p:spTree>
   </p:cSld>
   <p:clrMapOvr>
@@ -7851,7 +9281,7 @@
   <p:cSld>
     <p:spTree>
       <p:nvGrpSpPr>
-        <p:cNvPr id="124" name="Shape 124"/>
+        <p:cNvPr id="111" name="Shape 111"/>
         <p:cNvGrpSpPr/>
         <p:nvPr/>
       </p:nvGrpSpPr>
@@ -7863,45 +9293,9 @@
           <a:chExt cx="0" cy="0"/>
         </a:xfrm>
       </p:grpSpPr>
-      <p:sp>
-        <p:nvSpPr>
-          <p:cNvPr id="125" name="Shape 125"/>
-          <p:cNvSpPr txBox="1"/>
-          <p:nvPr>
-            <p:ph type="title"/>
-          </p:nvPr>
-        </p:nvSpPr>
-        <p:spPr>
-          <a:xfrm>
-            <a:off x="5172950" y="923700"/>
-            <a:ext cx="3370500" cy="3296100"/>
-          </a:xfrm>
-          <a:prstGeom prst="rect">
-            <a:avLst/>
-          </a:prstGeom>
-        </p:spPr>
-        <p:txBody>
-          <a:bodyPr anchorCtr="0" anchor="ctr" bIns="91425" lIns="91425" rIns="91425" tIns="91425">
-            <a:noAutofit/>
-          </a:bodyPr>
-          <a:lstStyle/>
-          <a:p>
-            <a:pPr lvl="0" rtl="0">
-              <a:spcBef>
-                <a:spcPts val="0"/>
-              </a:spcBef>
-              <a:buNone/>
-            </a:pPr>
-            <a:r>
-              <a:rPr lang="es"/>
-              <a:t>Cambio de Botones</a:t>
-            </a:r>
-          </a:p>
-        </p:txBody>
-      </p:sp>
       <p:pic>
         <p:nvPicPr>
-          <p:cNvPr id="126" name="Shape 126"/>
+          <p:cNvPr id="112" name="Shape 112"/>
           <p:cNvPicPr preferRelativeResize="0"/>
           <p:nvPr/>
         </p:nvPicPr>
@@ -7915,8 +9309,8 @@
         </p:blipFill>
         <p:spPr>
           <a:xfrm>
-            <a:off x="157450" y="923700"/>
-            <a:ext cx="4519549" cy="3366924"/>
+            <a:off x="880349" y="0"/>
+            <a:ext cx="8263650" cy="5143499"/>
           </a:xfrm>
           <a:prstGeom prst="rect">
             <a:avLst/>
@@ -7927,6 +9321,44 @@
           </a:ln>
         </p:spPr>
       </p:pic>
+      <p:sp>
+        <p:nvSpPr>
+          <p:cNvPr id="113" name="Shape 113"/>
+          <p:cNvSpPr txBox="1"/>
+          <p:nvPr/>
+        </p:nvSpPr>
+        <p:spPr>
+          <a:xfrm>
+            <a:off x="0" y="0"/>
+            <a:ext cx="485400" cy="4894200"/>
+          </a:xfrm>
+          <a:prstGeom prst="rect">
+            <a:avLst/>
+          </a:prstGeom>
+          <a:noFill/>
+          <a:ln>
+            <a:noFill/>
+          </a:ln>
+        </p:spPr>
+        <p:txBody>
+          <a:bodyPr anchorCtr="0" anchor="t" bIns="91425" lIns="91425" rIns="91425" tIns="91425">
+            <a:noAutofit/>
+          </a:bodyPr>
+          <a:lstStyle/>
+          <a:p>
+            <a:pPr lvl="0">
+              <a:spcBef>
+                <a:spcPts val="0"/>
+              </a:spcBef>
+              <a:buNone/>
+            </a:pPr>
+            <a:r>
+              <a:rPr lang="es" sz="3000"/>
+              <a:t>componentes</a:t>
+            </a:r>
+          </a:p>
+        </p:txBody>
+      </p:sp>
     </p:spTree>
   </p:cSld>
   <p:clrMapOvr>
@@ -7940,7 +9372,7 @@
   <p:cSld>
     <p:spTree>
       <p:nvGrpSpPr>
-        <p:cNvPr id="130" name="Shape 130"/>
+        <p:cNvPr id="117" name="Shape 117"/>
         <p:cNvGrpSpPr/>
         <p:nvPr/>
       </p:nvGrpSpPr>
@@ -7952,9 +9384,45 @@
           <a:chExt cx="0" cy="0"/>
         </a:xfrm>
       </p:grpSpPr>
+      <p:sp>
+        <p:nvSpPr>
+          <p:cNvPr id="118" name="Shape 118"/>
+          <p:cNvSpPr txBox="1"/>
+          <p:nvPr>
+            <p:ph type="title"/>
+          </p:nvPr>
+        </p:nvSpPr>
+        <p:spPr>
+          <a:xfrm>
+            <a:off x="5172950" y="923700"/>
+            <a:ext cx="3370500" cy="3296100"/>
+          </a:xfrm>
+          <a:prstGeom prst="rect">
+            <a:avLst/>
+          </a:prstGeom>
+        </p:spPr>
+        <p:txBody>
+          <a:bodyPr anchorCtr="0" anchor="ctr" bIns="91425" lIns="91425" rIns="91425" tIns="91425">
+            <a:noAutofit/>
+          </a:bodyPr>
+          <a:lstStyle/>
+          <a:p>
+            <a:pPr lvl="0" rtl="0">
+              <a:spcBef>
+                <a:spcPts val="0"/>
+              </a:spcBef>
+              <a:buNone/>
+            </a:pPr>
+            <a:r>
+              <a:t/>
+            </a:r>
+            <a:endParaRPr/>
+          </a:p>
+        </p:txBody>
+      </p:sp>
       <p:pic>
         <p:nvPicPr>
-          <p:cNvPr id="131" name="Shape 131"/>
+          <p:cNvPr id="119" name="Shape 119"/>
           <p:cNvPicPr preferRelativeResize="0"/>
           <p:nvPr/>
         </p:nvPicPr>
@@ -7968,8 +9436,8 @@
         </p:blipFill>
         <p:spPr>
           <a:xfrm>
-            <a:off x="0" y="800600"/>
-            <a:ext cx="4552950" cy="2781300"/>
+            <a:off x="3320925" y="208751"/>
+            <a:ext cx="5667074" cy="4726000"/>
           </a:xfrm>
           <a:prstGeom prst="rect">
             <a:avLst/>
@@ -7980,72 +9448,16 @@
           </a:ln>
         </p:spPr>
       </p:pic>
-      <p:pic>
-        <p:nvPicPr>
-          <p:cNvPr id="132" name="Shape 132"/>
-          <p:cNvPicPr preferRelativeResize="0"/>
-          <p:nvPr/>
-        </p:nvPicPr>
-        <p:blipFill>
-          <a:blip r:embed="rId4">
-            <a:alphaModFix/>
-          </a:blip>
-          <a:stretch>
-            <a:fillRect/>
-          </a:stretch>
-        </p:blipFill>
-        <p:spPr>
-          <a:xfrm>
-            <a:off x="4927612" y="451475"/>
-            <a:ext cx="3895725" cy="1905000"/>
-          </a:xfrm>
-          <a:prstGeom prst="rect">
-            <a:avLst/>
-          </a:prstGeom>
-          <a:noFill/>
-          <a:ln>
-            <a:noFill/>
-          </a:ln>
-        </p:spPr>
-      </p:pic>
-      <p:pic>
-        <p:nvPicPr>
-          <p:cNvPr id="133" name="Shape 133"/>
-          <p:cNvPicPr preferRelativeResize="0"/>
-          <p:nvPr/>
-        </p:nvPicPr>
-        <p:blipFill>
-          <a:blip r:embed="rId5">
-            <a:alphaModFix/>
-          </a:blip>
-          <a:stretch>
-            <a:fillRect/>
-          </a:stretch>
-        </p:blipFill>
-        <p:spPr>
-          <a:xfrm>
-            <a:off x="4164237" y="2719100"/>
-            <a:ext cx="3952875" cy="2914650"/>
-          </a:xfrm>
-          <a:prstGeom prst="rect">
-            <a:avLst/>
-          </a:prstGeom>
-          <a:noFill/>
-          <a:ln>
-            <a:noFill/>
-          </a:ln>
-        </p:spPr>
-      </p:pic>
-      <p:sp>
-        <p:nvSpPr>
-          <p:cNvPr id="134" name="Shape 134"/>
+      <p:sp>
+        <p:nvSpPr>
+          <p:cNvPr id="120" name="Shape 120"/>
           <p:cNvSpPr txBox="1"/>
           <p:nvPr/>
         </p:nvSpPr>
         <p:spPr>
           <a:xfrm>
-            <a:off x="5104125" y="2377987"/>
-            <a:ext cx="2939100" cy="341100"/>
+            <a:off x="354275" y="1640150"/>
+            <a:ext cx="2742300" cy="1640100"/>
           </a:xfrm>
           <a:prstGeom prst="rect">
             <a:avLst/>
@@ -8068,272 +9480,12 @@
               <a:buNone/>
             </a:pPr>
             <a:r>
-              <a:rPr lang="es"/>
-              <a:t>Clases Vistas ( Ambas)</a:t>
+              <a:rPr lang="es" sz="2400"/>
+              <a:t>Diagrama de despliegue</a:t>
             </a:r>
           </a:p>
         </p:txBody>
       </p:sp>
-      <p:sp>
-        <p:nvSpPr>
-          <p:cNvPr id="135" name="Shape 135"/>
-          <p:cNvSpPr txBox="1"/>
-          <p:nvPr/>
-        </p:nvSpPr>
-        <p:spPr>
-          <a:xfrm>
-            <a:off x="590450" y="275550"/>
-            <a:ext cx="2742300" cy="341100"/>
-          </a:xfrm>
-          <a:prstGeom prst="rect">
-            <a:avLst/>
-          </a:prstGeom>
-          <a:noFill/>
-          <a:ln>
-            <a:noFill/>
-          </a:ln>
-        </p:spPr>
-        <p:txBody>
-          <a:bodyPr anchorCtr="0" anchor="t" bIns="91425" lIns="91425" rIns="91425" tIns="91425">
-            <a:noAutofit/>
-          </a:bodyPr>
-          <a:lstStyle/>
-          <a:p>
-            <a:pPr lvl="0">
-              <a:spcBef>
-                <a:spcPts val="0"/>
-              </a:spcBef>
-              <a:buNone/>
-            </a:pPr>
-            <a:r>
-              <a:rPr lang="es"/>
-              <a:t>Clase Controlador</a:t>
-            </a:r>
-          </a:p>
-        </p:txBody>
-      </p:sp>
-      <p:sp>
-        <p:nvSpPr>
-          <p:cNvPr id="136" name="Shape 136"/>
-          <p:cNvSpPr txBox="1"/>
-          <p:nvPr/>
-        </p:nvSpPr>
-        <p:spPr>
-          <a:xfrm>
-            <a:off x="5602750" y="104975"/>
-            <a:ext cx="2939100" cy="223200"/>
-          </a:xfrm>
-          <a:prstGeom prst="rect">
-            <a:avLst/>
-          </a:prstGeom>
-          <a:noFill/>
-          <a:ln>
-            <a:noFill/>
-          </a:ln>
-        </p:spPr>
-        <p:txBody>
-          <a:bodyPr anchorCtr="0" anchor="t" bIns="91425" lIns="91425" rIns="91425" tIns="91425">
-            <a:noAutofit/>
-          </a:bodyPr>
-          <a:lstStyle/>
-          <a:p>
-            <a:pPr lvl="0">
-              <a:spcBef>
-                <a:spcPts val="0"/>
-              </a:spcBef>
-              <a:buNone/>
-            </a:pPr>
-            <a:r>
-              <a:rPr lang="es"/>
-              <a:t>Clase Observador</a:t>
-            </a:r>
-          </a:p>
-        </p:txBody>
-      </p:sp>
-      <p:sp>
-        <p:nvSpPr>
-          <p:cNvPr id="137" name="Shape 137"/>
-          <p:cNvSpPr/>
-          <p:nvPr/>
-        </p:nvSpPr>
-        <p:spPr>
-          <a:xfrm>
-            <a:off x="65600" y="104975"/>
-            <a:ext cx="4185600" cy="4434900"/>
-          </a:xfrm>
-          <a:prstGeom prst="rect">
-            <a:avLst/>
-          </a:prstGeom>
-          <a:noFill/>
-          <a:ln cap="flat" cmpd="sng" w="19050">
-            <a:solidFill>
-              <a:srgbClr val="FF0000"/>
-            </a:solidFill>
-            <a:prstDash val="solid"/>
-            <a:round/>
-            <a:headEnd len="med" w="med" type="none"/>
-            <a:tailEnd len="med" w="med" type="none"/>
-          </a:ln>
-        </p:spPr>
-        <p:txBody>
-          <a:bodyPr anchorCtr="0" anchor="ctr" bIns="91425" lIns="91425" rIns="91425" tIns="91425">
-            <a:noAutofit/>
-          </a:bodyPr>
-          <a:lstStyle/>
-          <a:p>
-            <a:pPr lvl="0">
-              <a:spcBef>
-                <a:spcPts val="0"/>
-              </a:spcBef>
-              <a:buNone/>
-            </a:pPr>
-            <a:r>
-              <a:t/>
-            </a:r>
-            <a:endParaRPr/>
-          </a:p>
-        </p:txBody>
-      </p:sp>
-      <p:sp>
-        <p:nvSpPr>
-          <p:cNvPr id="138" name="Shape 138"/>
-          <p:cNvSpPr/>
-          <p:nvPr/>
-        </p:nvSpPr>
-        <p:spPr>
-          <a:xfrm>
-            <a:off x="4474325" y="52475"/>
-            <a:ext cx="4552800" cy="2304000"/>
-          </a:xfrm>
-          <a:prstGeom prst="rect">
-            <a:avLst/>
-          </a:prstGeom>
-          <a:noFill/>
-          <a:ln cap="flat" cmpd="sng" w="19050">
-            <a:solidFill>
-              <a:srgbClr val="F1C232"/>
-            </a:solidFill>
-            <a:prstDash val="solid"/>
-            <a:round/>
-            <a:headEnd len="med" w="med" type="none"/>
-            <a:tailEnd len="med" w="med" type="none"/>
-          </a:ln>
-        </p:spPr>
-        <p:txBody>
-          <a:bodyPr anchorCtr="0" anchor="ctr" bIns="91425" lIns="91425" rIns="91425" tIns="91425">
-            <a:noAutofit/>
-          </a:bodyPr>
-          <a:lstStyle/>
-          <a:p>
-            <a:pPr lvl="0">
-              <a:spcBef>
-                <a:spcPts val="0"/>
-              </a:spcBef>
-              <a:buNone/>
-            </a:pPr>
-            <a:r>
-              <a:t/>
-            </a:r>
-            <a:endParaRPr/>
-          </a:p>
-        </p:txBody>
-      </p:sp>
-      <p:sp>
-        <p:nvSpPr>
-          <p:cNvPr id="139" name="Shape 139"/>
-          <p:cNvSpPr/>
-          <p:nvPr/>
-        </p:nvSpPr>
-        <p:spPr>
-          <a:xfrm>
-            <a:off x="4356225" y="2440550"/>
-            <a:ext cx="4552800" cy="2637300"/>
-          </a:xfrm>
-          <a:prstGeom prst="rect">
-            <a:avLst/>
-          </a:prstGeom>
-          <a:noFill/>
-          <a:ln cap="flat" cmpd="sng" w="19050">
-            <a:solidFill>
-              <a:srgbClr val="9900FF"/>
-            </a:solidFill>
-            <a:prstDash val="solid"/>
-            <a:round/>
-            <a:headEnd len="med" w="med" type="none"/>
-            <a:tailEnd len="med" w="med" type="none"/>
-          </a:ln>
-        </p:spPr>
-        <p:txBody>
-          <a:bodyPr anchorCtr="0" anchor="ctr" bIns="91425" lIns="91425" rIns="91425" tIns="91425">
-            <a:noAutofit/>
-          </a:bodyPr>
-          <a:lstStyle/>
-          <a:p>
-            <a:pPr lvl="0">
-              <a:spcBef>
-                <a:spcPts val="0"/>
-              </a:spcBef>
-              <a:buNone/>
-            </a:pPr>
-            <a:r>
-              <a:t/>
-            </a:r>
-            <a:endParaRPr/>
-          </a:p>
-        </p:txBody>
-      </p:sp>
-      <p:cxnSp>
-        <p:nvCxnSpPr>
-          <p:cNvPr id="140" name="Shape 140"/>
-          <p:cNvCxnSpPr/>
-          <p:nvPr/>
-        </p:nvCxnSpPr>
-        <p:spPr>
-          <a:xfrm flipH="1" rot="10800000">
-            <a:off x="2821050" y="643050"/>
-            <a:ext cx="2073300" cy="682200"/>
-          </a:xfrm>
-          <a:prstGeom prst="straightConnector1">
-            <a:avLst/>
-          </a:prstGeom>
-          <a:noFill/>
-          <a:ln cap="flat" cmpd="sng" w="9525">
-            <a:solidFill>
-              <a:schemeClr val="dk2"/>
-            </a:solidFill>
-            <a:prstDash val="solid"/>
-            <a:round/>
-            <a:headEnd len="lg" w="lg" type="none"/>
-            <a:tailEnd len="lg" w="lg" type="triangle"/>
-          </a:ln>
-        </p:spPr>
-      </p:cxnSp>
-      <p:cxnSp>
-        <p:nvCxnSpPr>
-          <p:cNvPr id="141" name="Shape 141"/>
-          <p:cNvCxnSpPr/>
-          <p:nvPr/>
-        </p:nvCxnSpPr>
-        <p:spPr>
-          <a:xfrm flipH="1">
-            <a:off x="7229700" y="367400"/>
-            <a:ext cx="210000" cy="2296200"/>
-          </a:xfrm>
-          <a:prstGeom prst="straightConnector1">
-            <a:avLst/>
-          </a:prstGeom>
-          <a:noFill/>
-          <a:ln cap="flat" cmpd="sng" w="9525">
-            <a:solidFill>
-              <a:schemeClr val="dk2"/>
-            </a:solidFill>
-            <a:prstDash val="solid"/>
-            <a:round/>
-            <a:headEnd len="lg" w="lg" type="none"/>
-            <a:tailEnd len="lg" w="lg" type="triangle"/>
-          </a:ln>
-        </p:spPr>
-      </p:cxnSp>
     </p:spTree>
   </p:cSld>
   <p:clrMapOvr>
@@ -8343,6 +9495,285 @@
 </file>
 
 <file path=ppt/theme/theme1.xml><?xml version="1.0" encoding="utf-8"?>
+<a:theme xmlns:a="http://schemas.openxmlformats.org/drawingml/2006/main" xmlns:r="http://schemas.openxmlformats.org/officeDocument/2006/relationships" name="Custom Theme">
+  <a:themeElements>
+    <a:clrScheme name="Default">
+      <a:dk1>
+        <a:srgbClr val="000000"/>
+      </a:dk1>
+      <a:lt1>
+        <a:srgbClr val="FFFFFF"/>
+      </a:lt1>
+      <a:dk2>
+        <a:srgbClr val="158158"/>
+      </a:dk2>
+      <a:lt2>
+        <a:srgbClr val="F3F3F3"/>
+      </a:lt2>
+      <a:accent1>
+        <a:srgbClr val="058DC7"/>
+      </a:accent1>
+      <a:accent2>
+        <a:srgbClr val="50B432"/>
+      </a:accent2>
+      <a:accent3>
+        <a:srgbClr val="ED561B"/>
+      </a:accent3>
+      <a:accent4>
+        <a:srgbClr val="EDEF00"/>
+      </a:accent4>
+      <a:accent5>
+        <a:srgbClr val="24CBE5"/>
+      </a:accent5>
+      <a:accent6>
+        <a:srgbClr val="64E572"/>
+      </a:accent6>
+      <a:hlink>
+        <a:srgbClr val="2200CC"/>
+      </a:hlink>
+      <a:folHlink>
+        <a:srgbClr val="551A8B"/>
+      </a:folHlink>
+    </a:clrScheme>
+    <a:fontScheme name="Office">
+      <a:majorFont>
+        <a:latin typeface="Arial"/>
+        <a:ea typeface=""/>
+        <a:cs typeface=""/>
+        <a:font script="Jpan" typeface="ＭＳ Ｐゴシック"/>
+        <a:font script="Hang" typeface="맑은 고딕"/>
+        <a:font script="Hans" typeface="宋体"/>
+        <a:font script="Hant" typeface="新細明體"/>
+        <a:font script="Arab" typeface="Times New Roman"/>
+        <a:font script="Hebr" typeface="Times New Roman"/>
+        <a:font script="Thai" typeface="Angsana New"/>
+        <a:font script="Ethi" typeface="Nyala"/>
+        <a:font script="Beng" typeface="Vrinda"/>
+        <a:font script="Gujr" typeface="Shruti"/>
+        <a:font script="Khmr" typeface="MoolBoran"/>
+        <a:font script="Knda" typeface="Tunga"/>
+        <a:font script="Guru" typeface="Raavi"/>
+        <a:font script="Cans" typeface="Euphemia"/>
+        <a:font script="Cher" typeface="Plantagenet Cherokee"/>
+        <a:font script="Yiii" typeface="Microsoft Yi Baiti"/>
+        <a:font script="Tibt" typeface="Microsoft Himalaya"/>
+        <a:font script="Thaa" typeface="MV Boli"/>
+        <a:font script="Deva" typeface="Mangal"/>
+        <a:font script="Telu" typeface="Gautami"/>
+        <a:font script="Taml" typeface="Latha"/>
+        <a:font script="Syrc" typeface="Estrangelo Edessa"/>
+        <a:font script="Orya" typeface="Kalinga"/>
+        <a:font script="Mlym" typeface="Kartika"/>
+        <a:font script="Laoo" typeface="DokChampa"/>
+        <a:font script="Sinh" typeface="Iskoola Pota"/>
+        <a:font script="Mong" typeface="Mongolian Baiti"/>
+        <a:font script="Viet" typeface="Times New Roman"/>
+        <a:font script="Uigh" typeface="Microsoft Uighur"/>
+        <a:font script="Geor" typeface="Sylfaen"/>
+      </a:majorFont>
+      <a:minorFont>
+        <a:latin typeface="Arial"/>
+        <a:ea typeface=""/>
+        <a:cs typeface=""/>
+        <a:font script="Jpan" typeface="ＭＳ Ｐゴシック"/>
+        <a:font script="Hang" typeface="맑은 고딕"/>
+        <a:font script="Hans" typeface="宋体"/>
+        <a:font script="Hant" typeface="新細明體"/>
+        <a:font script="Arab" typeface="Arial"/>
+        <a:font script="Hebr" typeface="Arial"/>
+        <a:font script="Thai" typeface="Cordia New"/>
+        <a:font script="Ethi" typeface="Nyala"/>
+        <a:font script="Beng" typeface="Vrinda"/>
+        <a:font script="Gujr" typeface="Shruti"/>
+        <a:font script="Khmr" typeface="DaunPenh"/>
+        <a:font script="Knda" typeface="Tunga"/>
+        <a:font script="Guru" typeface="Raavi"/>
+        <a:font script="Cans" typeface="Euphemia"/>
+        <a:font script="Cher" typeface="Plantagenet Cherokee"/>
+        <a:font script="Yiii" typeface="Microsoft Yi Baiti"/>
+        <a:font script="Tibt" typeface="Microsoft Himalaya"/>
+        <a:font script="Thaa" typeface="MV Boli"/>
+        <a:font script="Deva" typeface="Mangal"/>
+        <a:font script="Telu" typeface="Gautami"/>
+        <a:font script="Taml" typeface="Latha"/>
+        <a:font script="Syrc" typeface="Estrangelo Edessa"/>
+        <a:font script="Orya" typeface="Kalinga"/>
+        <a:font script="Mlym" typeface="Kartika"/>
+        <a:font script="Laoo" typeface="DokChampa"/>
+        <a:font script="Sinh" typeface="Iskoola Pota"/>
+        <a:font script="Mong" typeface="Mongolian Baiti"/>
+        <a:font script="Viet" typeface="Arial"/>
+        <a:font script="Uigh" typeface="Microsoft Uighur"/>
+        <a:font script="Geor" typeface="Sylfaen"/>
+      </a:minorFont>
+    </a:fontScheme>
+    <a:fmtScheme name="Office">
+      <a:fillStyleLst>
+        <a:solidFill>
+          <a:schemeClr val="phClr"/>
+        </a:solidFill>
+        <a:gradFill rotWithShape="1">
+          <a:gsLst>
+            <a:gs pos="0">
+              <a:schemeClr val="phClr">
+                <a:tint val="50000"/>
+                <a:satMod val="300000"/>
+              </a:schemeClr>
+            </a:gs>
+            <a:gs pos="35000">
+              <a:schemeClr val="phClr">
+                <a:tint val="37000"/>
+                <a:satMod val="300000"/>
+              </a:schemeClr>
+            </a:gs>
+            <a:gs pos="100000">
+              <a:schemeClr val="phClr">
+                <a:tint val="15000"/>
+                <a:satMod val="350000"/>
+              </a:schemeClr>
+            </a:gs>
+          </a:gsLst>
+          <a:lin ang="16200000" scaled="1"/>
+        </a:gradFill>
+        <a:gradFill rotWithShape="1">
+          <a:gsLst>
+            <a:gs pos="0">
+              <a:schemeClr val="phClr">
+                <a:tint val="100000"/>
+                <a:shade val="100000"/>
+                <a:satMod val="130000"/>
+              </a:schemeClr>
+            </a:gs>
+            <a:gs pos="100000">
+              <a:schemeClr val="phClr">
+                <a:tint val="50000"/>
+                <a:shade val="100000"/>
+                <a:satMod val="350000"/>
+              </a:schemeClr>
+            </a:gs>
+          </a:gsLst>
+          <a:lin ang="16200000" scaled="0"/>
+        </a:gradFill>
+      </a:fillStyleLst>
+      <a:lnStyleLst>
+        <a:ln w="9525" cap="flat" cmpd="sng" algn="ctr">
+          <a:solidFill>
+            <a:schemeClr val="phClr">
+              <a:shade val="95000"/>
+              <a:satMod val="105000"/>
+            </a:schemeClr>
+          </a:solidFill>
+          <a:prstDash val="solid"/>
+        </a:ln>
+        <a:ln w="25400" cap="flat" cmpd="sng" algn="ctr">
+          <a:solidFill>
+            <a:schemeClr val="phClr"/>
+          </a:solidFill>
+          <a:prstDash val="solid"/>
+        </a:ln>
+        <a:ln w="38100" cap="flat" cmpd="sng" algn="ctr">
+          <a:solidFill>
+            <a:schemeClr val="phClr"/>
+          </a:solidFill>
+          <a:prstDash val="solid"/>
+        </a:ln>
+      </a:lnStyleLst>
+      <a:effectStyleLst>
+        <a:effectStyle>
+          <a:effectLst>
+            <a:outerShdw blurRad="40000" dist="20000" dir="5400000" rotWithShape="0">
+              <a:srgbClr val="000000">
+                <a:alpha val="38000"/>
+              </a:srgbClr>
+            </a:outerShdw>
+          </a:effectLst>
+        </a:effectStyle>
+        <a:effectStyle>
+          <a:effectLst>
+            <a:outerShdw blurRad="40000" dist="23000" dir="5400000" rotWithShape="0">
+              <a:srgbClr val="000000">
+                <a:alpha val="35000"/>
+              </a:srgbClr>
+            </a:outerShdw>
+          </a:effectLst>
+        </a:effectStyle>
+        <a:effectStyle>
+          <a:effectLst>
+            <a:outerShdw blurRad="40000" dist="23000" dir="5400000" rotWithShape="0">
+              <a:srgbClr val="000000">
+                <a:alpha val="35000"/>
+              </a:srgbClr>
+            </a:outerShdw>
+          </a:effectLst>
+          <a:scene3d>
+            <a:camera prst="orthographicFront">
+              <a:rot lat="0" lon="0" rev="0"/>
+            </a:camera>
+            <a:lightRig rig="threePt" dir="t">
+              <a:rot lat="0" lon="0" rev="1200000"/>
+            </a:lightRig>
+          </a:scene3d>
+          <a:sp3d>
+            <a:bevelT w="63500" h="25400"/>
+          </a:sp3d>
+        </a:effectStyle>
+      </a:effectStyleLst>
+      <a:bgFillStyleLst>
+        <a:solidFill>
+          <a:schemeClr val="phClr"/>
+        </a:solidFill>
+        <a:gradFill rotWithShape="1">
+          <a:gsLst>
+            <a:gs pos="0">
+              <a:schemeClr val="phClr">
+                <a:tint val="40000"/>
+                <a:satMod val="350000"/>
+              </a:schemeClr>
+            </a:gs>
+            <a:gs pos="40000">
+              <a:schemeClr val="phClr">
+                <a:tint val="45000"/>
+                <a:shade val="99000"/>
+                <a:satMod val="350000"/>
+              </a:schemeClr>
+            </a:gs>
+            <a:gs pos="100000">
+              <a:schemeClr val="phClr">
+                <a:shade val="20000"/>
+                <a:satMod val="255000"/>
+              </a:schemeClr>
+            </a:gs>
+          </a:gsLst>
+          <a:path path="circle">
+            <a:fillToRect l="50000" t="-80000" r="50000" b="180000"/>
+          </a:path>
+        </a:gradFill>
+        <a:gradFill rotWithShape="1">
+          <a:gsLst>
+            <a:gs pos="0">
+              <a:schemeClr val="phClr">
+                <a:tint val="80000"/>
+                <a:satMod val="300000"/>
+              </a:schemeClr>
+            </a:gs>
+            <a:gs pos="100000">
+              <a:schemeClr val="phClr">
+                <a:shade val="30000"/>
+                <a:satMod val="200000"/>
+              </a:schemeClr>
+            </a:gs>
+          </a:gsLst>
+          <a:path path="circle">
+            <a:fillToRect l="50000" t="50000" r="50000" b="50000"/>
+          </a:path>
+        </a:gradFill>
+      </a:bgFillStyleLst>
+    </a:fmtScheme>
+  </a:themeElements>
+</a:theme>
+</file>
+
+<file path=ppt/theme/theme2.xml><?xml version="1.0" encoding="utf-8"?>
 <a:theme xmlns:a="http://schemas.openxmlformats.org/drawingml/2006/main" xmlns:r="http://schemas.openxmlformats.org/officeDocument/2006/relationships" name="simple-light-2">
   <a:themeElements>
     <a:clrScheme name="Simple Light">
@@ -8619,283 +10050,4 @@
     </a:fmtScheme>
   </a:themeElements>
 </a:theme>
-</file>
-
-<file path=ppt/theme/theme2.xml><?xml version="1.0" encoding="utf-8"?>
-<a:theme xmlns:a="http://schemas.openxmlformats.org/drawingml/2006/main" xmlns:r="http://schemas.openxmlformats.org/officeDocument/2006/relationships" name="Custom Theme">
-  <a:themeElements>
-    <a:clrScheme name="Default">
-      <a:dk1>
-        <a:srgbClr val="000000"/>
-      </a:dk1>
-      <a:lt1>
-        <a:srgbClr val="FFFFFF"/>
-      </a:lt1>
-      <a:dk2>
-        <a:srgbClr val="158158"/>
-      </a:dk2>
-      <a:lt2>
-        <a:srgbClr val="F3F3F3"/>
-      </a:lt2>
-      <a:accent1>
-        <a:srgbClr val="058DC7"/>
-      </a:accent1>
-      <a:accent2>
-        <a:srgbClr val="50B432"/>
-      </a:accent2>
-      <a:accent3>
-        <a:srgbClr val="ED561B"/>
-      </a:accent3>
-      <a:accent4>
-        <a:srgbClr val="EDEF00"/>
-      </a:accent4>
-      <a:accent5>
-        <a:srgbClr val="24CBE5"/>
-      </a:accent5>
-      <a:accent6>
-        <a:srgbClr val="64E572"/>
-      </a:accent6>
-      <a:hlink>
-        <a:srgbClr val="2200CC"/>
-      </a:hlink>
-      <a:folHlink>
-        <a:srgbClr val="551A8B"/>
-      </a:folHlink>
-    </a:clrScheme>
-    <a:fontScheme name="Office">
-      <a:majorFont>
-        <a:latin typeface="Arial"/>
-        <a:ea typeface=""/>
-        <a:cs typeface=""/>
-        <a:font script="Jpan" typeface="ＭＳ Ｐゴシック"/>
-        <a:font script="Hang" typeface="맑은 고딕"/>
-        <a:font script="Hans" typeface="宋体"/>
-        <a:font script="Hant" typeface="新細明體"/>
-        <a:font script="Arab" typeface="Times New Roman"/>
-        <a:font script="Hebr" typeface="Times New Roman"/>
-        <a:font script="Thai" typeface="Angsana New"/>
-        <a:font script="Ethi" typeface="Nyala"/>
-        <a:font script="Beng" typeface="Vrinda"/>
-        <a:font script="Gujr" typeface="Shruti"/>
-        <a:font script="Khmr" typeface="MoolBoran"/>
-        <a:font script="Knda" typeface="Tunga"/>
-        <a:font script="Guru" typeface="Raavi"/>
-        <a:font script="Cans" typeface="Euphemia"/>
-        <a:font script="Cher" typeface="Plantagenet Cherokee"/>
-        <a:font script="Yiii" typeface="Microsoft Yi Baiti"/>
-        <a:font script="Tibt" typeface="Microsoft Himalaya"/>
-        <a:font script="Thaa" typeface="MV Boli"/>
-        <a:font script="Deva" typeface="Mangal"/>
-        <a:font script="Telu" typeface="Gautami"/>
-        <a:font script="Taml" typeface="Latha"/>
-        <a:font script="Syrc" typeface="Estrangelo Edessa"/>
-        <a:font script="Orya" typeface="Kalinga"/>
-        <a:font script="Mlym" typeface="Kartika"/>
-        <a:font script="Laoo" typeface="DokChampa"/>
-        <a:font script="Sinh" typeface="Iskoola Pota"/>
-        <a:font script="Mong" typeface="Mongolian Baiti"/>
-        <a:font script="Viet" typeface="Times New Roman"/>
-        <a:font script="Uigh" typeface="Microsoft Uighur"/>
-        <a:font script="Geor" typeface="Sylfaen"/>
-      </a:majorFont>
-      <a:minorFont>
-        <a:latin typeface="Arial"/>
-        <a:ea typeface=""/>
-        <a:cs typeface=""/>
-        <a:font script="Jpan" typeface="ＭＳ Ｐゴシック"/>
-        <a:font script="Hang" typeface="맑은 고딕"/>
-        <a:font script="Hans" typeface="宋体"/>
-        <a:font script="Hant" typeface="新細明體"/>
-        <a:font script="Arab" typeface="Arial"/>
-        <a:font script="Hebr" typeface="Arial"/>
-        <a:font script="Thai" typeface="Cordia New"/>
-        <a:font script="Ethi" typeface="Nyala"/>
-        <a:font script="Beng" typeface="Vrinda"/>
-        <a:font script="Gujr" typeface="Shruti"/>
-        <a:font script="Khmr" typeface="DaunPenh"/>
-        <a:font script="Knda" typeface="Tunga"/>
-        <a:font script="Guru" typeface="Raavi"/>
-        <a:font script="Cans" typeface="Euphemia"/>
-        <a:font script="Cher" typeface="Plantagenet Cherokee"/>
-        <a:font script="Yiii" typeface="Microsoft Yi Baiti"/>
-        <a:font script="Tibt" typeface="Microsoft Himalaya"/>
-        <a:font script="Thaa" typeface="MV Boli"/>
-        <a:font script="Deva" typeface="Mangal"/>
-        <a:font script="Telu" typeface="Gautami"/>
-        <a:font script="Taml" typeface="Latha"/>
-        <a:font script="Syrc" typeface="Estrangelo Edessa"/>
-        <a:font script="Orya" typeface="Kalinga"/>
-        <a:font script="Mlym" typeface="Kartika"/>
-        <a:font script="Laoo" typeface="DokChampa"/>
-        <a:font script="Sinh" typeface="Iskoola Pota"/>
-        <a:font script="Mong" typeface="Mongolian Baiti"/>
-        <a:font script="Viet" typeface="Arial"/>
-        <a:font script="Uigh" typeface="Microsoft Uighur"/>
-        <a:font script="Geor" typeface="Sylfaen"/>
-      </a:minorFont>
-    </a:fontScheme>
-    <a:fmtScheme name="Office">
-      <a:fillStyleLst>
-        <a:solidFill>
-          <a:schemeClr val="phClr"/>
-        </a:solidFill>
-        <a:gradFill rotWithShape="1">
-          <a:gsLst>
-            <a:gs pos="0">
-              <a:schemeClr val="phClr">
-                <a:tint val="50000"/>
-                <a:satMod val="300000"/>
-              </a:schemeClr>
-            </a:gs>
-            <a:gs pos="35000">
-              <a:schemeClr val="phClr">
-                <a:tint val="37000"/>
-                <a:satMod val="300000"/>
-              </a:schemeClr>
-            </a:gs>
-            <a:gs pos="100000">
-              <a:schemeClr val="phClr">
-                <a:tint val="15000"/>
-                <a:satMod val="350000"/>
-              </a:schemeClr>
-            </a:gs>
-          </a:gsLst>
-          <a:lin ang="16200000" scaled="1"/>
-        </a:gradFill>
-        <a:gradFill rotWithShape="1">
-          <a:gsLst>
-            <a:gs pos="0">
-              <a:schemeClr val="phClr">
-                <a:tint val="100000"/>
-                <a:shade val="100000"/>
-                <a:satMod val="130000"/>
-              </a:schemeClr>
-            </a:gs>
-            <a:gs pos="100000">
-              <a:schemeClr val="phClr">
-                <a:tint val="50000"/>
-                <a:shade val="100000"/>
-                <a:satMod val="350000"/>
-              </a:schemeClr>
-            </a:gs>
-          </a:gsLst>
-          <a:lin ang="16200000" scaled="0"/>
-        </a:gradFill>
-      </a:fillStyleLst>
-      <a:lnStyleLst>
-        <a:ln w="9525" cap="flat" cmpd="sng" algn="ctr">
-          <a:solidFill>
-            <a:schemeClr val="phClr">
-              <a:shade val="95000"/>
-              <a:satMod val="105000"/>
-            </a:schemeClr>
-          </a:solidFill>
-          <a:prstDash val="solid"/>
-        </a:ln>
-        <a:ln w="25400" cap="flat" cmpd="sng" algn="ctr">
-          <a:solidFill>
-            <a:schemeClr val="phClr"/>
-          </a:solidFill>
-          <a:prstDash val="solid"/>
-        </a:ln>
-        <a:ln w="38100" cap="flat" cmpd="sng" algn="ctr">
-          <a:solidFill>
-            <a:schemeClr val="phClr"/>
-          </a:solidFill>
-          <a:prstDash val="solid"/>
-        </a:ln>
-      </a:lnStyleLst>
-      <a:effectStyleLst>
-        <a:effectStyle>
-          <a:effectLst>
-            <a:outerShdw blurRad="40000" dist="20000" dir="5400000" rotWithShape="0">
-              <a:srgbClr val="000000">
-                <a:alpha val="38000"/>
-              </a:srgbClr>
-            </a:outerShdw>
-          </a:effectLst>
-        </a:effectStyle>
-        <a:effectStyle>
-          <a:effectLst>
-            <a:outerShdw blurRad="40000" dist="23000" dir="5400000" rotWithShape="0">
-              <a:srgbClr val="000000">
-                <a:alpha val="35000"/>
-              </a:srgbClr>
-            </a:outerShdw>
-          </a:effectLst>
-        </a:effectStyle>
-        <a:effectStyle>
-          <a:effectLst>
-            <a:outerShdw blurRad="40000" dist="23000" dir="5400000" rotWithShape="0">
-              <a:srgbClr val="000000">
-                <a:alpha val="35000"/>
-              </a:srgbClr>
-            </a:outerShdw>
-          </a:effectLst>
-          <a:scene3d>
-            <a:camera prst="orthographicFront">
-              <a:rot lat="0" lon="0" rev="0"/>
-            </a:camera>
-            <a:lightRig rig="threePt" dir="t">
-              <a:rot lat="0" lon="0" rev="1200000"/>
-            </a:lightRig>
-          </a:scene3d>
-          <a:sp3d>
-            <a:bevelT w="63500" h="25400"/>
-          </a:sp3d>
-        </a:effectStyle>
-      </a:effectStyleLst>
-      <a:bgFillStyleLst>
-        <a:solidFill>
-          <a:schemeClr val="phClr"/>
-        </a:solidFill>
-        <a:gradFill rotWithShape="1">
-          <a:gsLst>
-            <a:gs pos="0">
-              <a:schemeClr val="phClr">
-                <a:tint val="40000"/>
-                <a:satMod val="350000"/>
-              </a:schemeClr>
-            </a:gs>
-            <a:gs pos="40000">
-              <a:schemeClr val="phClr">
-                <a:tint val="45000"/>
-                <a:shade val="99000"/>
-                <a:satMod val="350000"/>
-              </a:schemeClr>
-            </a:gs>
-            <a:gs pos="100000">
-              <a:schemeClr val="phClr">
-                <a:shade val="20000"/>
-                <a:satMod val="255000"/>
-              </a:schemeClr>
-            </a:gs>
-          </a:gsLst>
-          <a:path path="circle">
-            <a:fillToRect l="50000" t="-80000" r="50000" b="180000"/>
-          </a:path>
-        </a:gradFill>
-        <a:gradFill rotWithShape="1">
-          <a:gsLst>
-            <a:gs pos="0">
-              <a:schemeClr val="phClr">
-                <a:tint val="80000"/>
-                <a:satMod val="300000"/>
-              </a:schemeClr>
-            </a:gs>
-            <a:gs pos="100000">
-              <a:schemeClr val="phClr">
-                <a:shade val="30000"/>
-                <a:satMod val="200000"/>
-              </a:schemeClr>
-            </a:gs>
-          </a:gsLst>
-          <a:path path="circle">
-            <a:fillToRect l="50000" t="50000" r="50000" b="50000"/>
-          </a:path>
-        </a:gradFill>
-      </a:bgFillStyleLst>
-    </a:fmtScheme>
-  </a:themeElements>
-</a:theme>
 </file>